--- a/Thadka_Tableau.pptx
+++ b/Thadka_Tableau.pptx
@@ -5,23 +5,24 @@
     <p:sldMasterId id="2147483660" r:id="rId1"/>
   </p:sldMasterIdLst>
   <p:notesMasterIdLst>
-    <p:notesMasterId r:id="rId16"/>
+    <p:notesMasterId r:id="rId17"/>
   </p:notesMasterIdLst>
   <p:sldIdLst>
     <p:sldId id="256" r:id="rId2"/>
     <p:sldId id="257" r:id="rId3"/>
     <p:sldId id="300" r:id="rId4"/>
-    <p:sldId id="301" r:id="rId5"/>
-    <p:sldId id="302" r:id="rId6"/>
-    <p:sldId id="303" r:id="rId7"/>
-    <p:sldId id="304" r:id="rId8"/>
-    <p:sldId id="298" r:id="rId9"/>
-    <p:sldId id="305" r:id="rId10"/>
-    <p:sldId id="306" r:id="rId11"/>
-    <p:sldId id="307" r:id="rId12"/>
-    <p:sldId id="310" r:id="rId13"/>
-    <p:sldId id="308" r:id="rId14"/>
-    <p:sldId id="309" r:id="rId15"/>
+    <p:sldId id="311" r:id="rId5"/>
+    <p:sldId id="301" r:id="rId6"/>
+    <p:sldId id="302" r:id="rId7"/>
+    <p:sldId id="303" r:id="rId8"/>
+    <p:sldId id="304" r:id="rId9"/>
+    <p:sldId id="298" r:id="rId10"/>
+    <p:sldId id="305" r:id="rId11"/>
+    <p:sldId id="312" r:id="rId12"/>
+    <p:sldId id="307" r:id="rId13"/>
+    <p:sldId id="310" r:id="rId14"/>
+    <p:sldId id="308" r:id="rId15"/>
+    <p:sldId id="309" r:id="rId16"/>
   </p:sldIdLst>
   <p:sldSz cx="12192000" cy="6858000"/>
   <p:notesSz cx="6858000" cy="9144000"/>
@@ -522,7 +523,28 @@
           <a:bodyPr/>
           <a:lstStyle/>
           <a:p>
-            <a:endParaRPr lang="en-US" dirty="0"/>
+            <a:r>
+              <a:rPr lang="en-US" dirty="0" smtClean="0"/>
+              <a:t>Hello</a:t>
+            </a:r>
+            <a:r>
+              <a:rPr lang="en-US" baseline="0" dirty="0" smtClean="0"/>
+              <a:t>,</a:t>
+            </a:r>
+          </a:p>
+          <a:p>
+            <a:r>
+              <a:rPr lang="en-US" baseline="0" dirty="0" smtClean="0"/>
+              <a:t>Good Morning everyone </a:t>
+            </a:r>
+            <a:r>
+              <a:rPr lang="en-US" baseline="0" dirty="0"/>
+              <a:t> </a:t>
+            </a:r>
+            <a:r>
+              <a:rPr lang="en-US" baseline="0" dirty="0" smtClean="0"/>
+              <a:t>I am Santhosh Kumar Thadka and I am here to present on Radial Stacked Bar chart using tableau</a:t>
+            </a:r>
           </a:p>
         </p:txBody>
       </p:sp>
@@ -553,6 +575,383 @@
     <p:extLst>
       <p:ext uri="{BB962C8B-B14F-4D97-AF65-F5344CB8AC3E}">
         <p14:creationId xmlns:p14="http://schemas.microsoft.com/office/powerpoint/2010/main" val="292169331"/>
+      </p:ext>
+    </p:extLst>
+  </p:cSld>
+  <p:clrMapOvr>
+    <a:masterClrMapping/>
+  </p:clrMapOvr>
+</p:notes>
+</file>
+
+<file path=ppt/notesSlides/notesSlide10.xml><?xml version="1.0" encoding="utf-8"?>
+<p:notes xmlns:a="http://schemas.openxmlformats.org/drawingml/2006/main" xmlns:r="http://schemas.openxmlformats.org/officeDocument/2006/relationships" xmlns:p="http://schemas.openxmlformats.org/presentationml/2006/main">
+  <p:cSld>
+    <p:spTree>
+      <p:nvGrpSpPr>
+        <p:cNvPr id="1" name=""/>
+        <p:cNvGrpSpPr/>
+        <p:nvPr/>
+      </p:nvGrpSpPr>
+      <p:grpSpPr>
+        <a:xfrm>
+          <a:off x="0" y="0"/>
+          <a:ext cx="0" cy="0"/>
+          <a:chOff x="0" y="0"/>
+          <a:chExt cx="0" cy="0"/>
+        </a:xfrm>
+      </p:grpSpPr>
+      <p:sp>
+        <p:nvSpPr>
+          <p:cNvPr id="2" name="Slide Image Placeholder 1"/>
+          <p:cNvSpPr>
+            <a:spLocks noGrp="1" noRot="1" noChangeAspect="1"/>
+          </p:cNvSpPr>
+          <p:nvPr>
+            <p:ph type="sldImg"/>
+          </p:nvPr>
+        </p:nvSpPr>
+        <p:spPr/>
+      </p:sp>
+      <p:sp>
+        <p:nvSpPr>
+          <p:cNvPr id="3" name="Notes Placeholder 2"/>
+          <p:cNvSpPr>
+            <a:spLocks noGrp="1"/>
+          </p:cNvSpPr>
+          <p:nvPr>
+            <p:ph type="body" idx="1"/>
+          </p:nvPr>
+        </p:nvSpPr>
+        <p:spPr/>
+        <p:txBody>
+          <a:bodyPr/>
+          <a:lstStyle/>
+          <a:p>
+            <a:r>
+              <a:rPr lang="en-US" dirty="0" smtClean="0"/>
+              <a:t>This is the chart</a:t>
+            </a:r>
+            <a:r>
+              <a:rPr lang="en-US" baseline="0" dirty="0" smtClean="0"/>
+              <a:t> generated based on the goal</a:t>
+            </a:r>
+            <a:endParaRPr lang="en-US" dirty="0" smtClean="0"/>
+          </a:p>
+          <a:p>
+            <a:r>
+              <a:rPr lang="en-US" dirty="0" smtClean="0"/>
+              <a:t>Repository</a:t>
+            </a:r>
+            <a:r>
+              <a:rPr lang="en-US" baseline="0" dirty="0" smtClean="0"/>
+              <a:t> link: https://github.com/SanthoshKumarThadka/Thadka_Tableau</a:t>
+            </a:r>
+          </a:p>
+          <a:p>
+            <a:endParaRPr lang="en-US" dirty="0"/>
+          </a:p>
+        </p:txBody>
+      </p:sp>
+      <p:sp>
+        <p:nvSpPr>
+          <p:cNvPr id="4" name="Slide Number Placeholder 3"/>
+          <p:cNvSpPr>
+            <a:spLocks noGrp="1"/>
+          </p:cNvSpPr>
+          <p:nvPr>
+            <p:ph type="sldNum" sz="quarter" idx="10"/>
+          </p:nvPr>
+        </p:nvSpPr>
+        <p:spPr/>
+        <p:txBody>
+          <a:bodyPr/>
+          <a:lstStyle/>
+          <a:p>
+            <a:fld id="{771BCCD4-AC94-426B-93E5-1C063AF8D8D0}" type="slidenum">
+              <a:rPr lang="en-US" smtClean="0"/>
+              <a:t>11</a:t>
+            </a:fld>
+            <a:endParaRPr lang="en-US" dirty="0"/>
+          </a:p>
+        </p:txBody>
+      </p:sp>
+    </p:spTree>
+    <p:extLst>
+      <p:ext uri="{BB962C8B-B14F-4D97-AF65-F5344CB8AC3E}">
+        <p14:creationId xmlns:p14="http://schemas.microsoft.com/office/powerpoint/2010/main" val="3982232017"/>
+      </p:ext>
+    </p:extLst>
+  </p:cSld>
+  <p:clrMapOvr>
+    <a:masterClrMapping/>
+  </p:clrMapOvr>
+</p:notes>
+</file>
+
+<file path=ppt/notesSlides/notesSlide11.xml><?xml version="1.0" encoding="utf-8"?>
+<p:notes xmlns:a="http://schemas.openxmlformats.org/drawingml/2006/main" xmlns:r="http://schemas.openxmlformats.org/officeDocument/2006/relationships" xmlns:p="http://schemas.openxmlformats.org/presentationml/2006/main">
+  <p:cSld>
+    <p:spTree>
+      <p:nvGrpSpPr>
+        <p:cNvPr id="1" name=""/>
+        <p:cNvGrpSpPr/>
+        <p:nvPr/>
+      </p:nvGrpSpPr>
+      <p:grpSpPr>
+        <a:xfrm>
+          <a:off x="0" y="0"/>
+          <a:ext cx="0" cy="0"/>
+          <a:chOff x="0" y="0"/>
+          <a:chExt cx="0" cy="0"/>
+        </a:xfrm>
+      </p:grpSpPr>
+      <p:sp>
+        <p:nvSpPr>
+          <p:cNvPr id="2" name="Slide Image Placeholder 1"/>
+          <p:cNvSpPr>
+            <a:spLocks noGrp="1" noRot="1" noChangeAspect="1"/>
+          </p:cNvSpPr>
+          <p:nvPr>
+            <p:ph type="sldImg"/>
+          </p:nvPr>
+        </p:nvSpPr>
+        <p:spPr/>
+      </p:sp>
+      <p:sp>
+        <p:nvSpPr>
+          <p:cNvPr id="3" name="Notes Placeholder 2"/>
+          <p:cNvSpPr>
+            <a:spLocks noGrp="1"/>
+          </p:cNvSpPr>
+          <p:nvPr>
+            <p:ph type="body" idx="1"/>
+          </p:nvPr>
+        </p:nvSpPr>
+        <p:spPr/>
+        <p:txBody>
+          <a:bodyPr/>
+          <a:lstStyle/>
+          <a:p>
+            <a:r>
+              <a:rPr lang="en-US" dirty="0" smtClean="0"/>
+              <a:t>https://github.com/SanthoshKumarThadka/Thadka_Tableau</a:t>
+            </a:r>
+            <a:endParaRPr lang="en-US" dirty="0"/>
+          </a:p>
+        </p:txBody>
+      </p:sp>
+      <p:sp>
+        <p:nvSpPr>
+          <p:cNvPr id="4" name="Slide Number Placeholder 3"/>
+          <p:cNvSpPr>
+            <a:spLocks noGrp="1"/>
+          </p:cNvSpPr>
+          <p:nvPr>
+            <p:ph type="sldNum" sz="quarter" idx="10"/>
+          </p:nvPr>
+        </p:nvSpPr>
+        <p:spPr/>
+        <p:txBody>
+          <a:bodyPr/>
+          <a:lstStyle/>
+          <a:p>
+            <a:fld id="{771BCCD4-AC94-426B-93E5-1C063AF8D8D0}" type="slidenum">
+              <a:rPr lang="en-US" smtClean="0"/>
+              <a:t>12</a:t>
+            </a:fld>
+            <a:endParaRPr lang="en-US" dirty="0"/>
+          </a:p>
+        </p:txBody>
+      </p:sp>
+    </p:spTree>
+    <p:extLst>
+      <p:ext uri="{BB962C8B-B14F-4D97-AF65-F5344CB8AC3E}">
+        <p14:creationId xmlns:p14="http://schemas.microsoft.com/office/powerpoint/2010/main" val="1692232487"/>
+      </p:ext>
+    </p:extLst>
+  </p:cSld>
+  <p:clrMapOvr>
+    <a:masterClrMapping/>
+  </p:clrMapOvr>
+</p:notes>
+</file>
+
+<file path=ppt/notesSlides/notesSlide12.xml><?xml version="1.0" encoding="utf-8"?>
+<p:notes xmlns:a="http://schemas.openxmlformats.org/drawingml/2006/main" xmlns:r="http://schemas.openxmlformats.org/officeDocument/2006/relationships" xmlns:p="http://schemas.openxmlformats.org/presentationml/2006/main">
+  <p:cSld>
+    <p:spTree>
+      <p:nvGrpSpPr>
+        <p:cNvPr id="1" name=""/>
+        <p:cNvGrpSpPr/>
+        <p:nvPr/>
+      </p:nvGrpSpPr>
+      <p:grpSpPr>
+        <a:xfrm>
+          <a:off x="0" y="0"/>
+          <a:ext cx="0" cy="0"/>
+          <a:chOff x="0" y="0"/>
+          <a:chExt cx="0" cy="0"/>
+        </a:xfrm>
+      </p:grpSpPr>
+      <p:sp>
+        <p:nvSpPr>
+          <p:cNvPr id="2" name="Slide Image Placeholder 1"/>
+          <p:cNvSpPr>
+            <a:spLocks noGrp="1" noRot="1" noChangeAspect="1"/>
+          </p:cNvSpPr>
+          <p:nvPr>
+            <p:ph type="sldImg"/>
+          </p:nvPr>
+        </p:nvSpPr>
+        <p:spPr/>
+      </p:sp>
+      <p:sp>
+        <p:nvSpPr>
+          <p:cNvPr id="3" name="Notes Placeholder 2"/>
+          <p:cNvSpPr>
+            <a:spLocks noGrp="1"/>
+          </p:cNvSpPr>
+          <p:nvPr>
+            <p:ph type="body" idx="1"/>
+          </p:nvPr>
+        </p:nvSpPr>
+        <p:spPr/>
+        <p:txBody>
+          <a:bodyPr/>
+          <a:lstStyle/>
+          <a:p>
+            <a:endParaRPr lang="en-US" dirty="0"/>
+          </a:p>
+        </p:txBody>
+      </p:sp>
+      <p:sp>
+        <p:nvSpPr>
+          <p:cNvPr id="4" name="Slide Number Placeholder 3"/>
+          <p:cNvSpPr>
+            <a:spLocks noGrp="1"/>
+          </p:cNvSpPr>
+          <p:nvPr>
+            <p:ph type="sldNum" sz="quarter" idx="10"/>
+          </p:nvPr>
+        </p:nvSpPr>
+        <p:spPr/>
+        <p:txBody>
+          <a:bodyPr/>
+          <a:lstStyle/>
+          <a:p>
+            <a:fld id="{771BCCD4-AC94-426B-93E5-1C063AF8D8D0}" type="slidenum">
+              <a:rPr lang="en-US" smtClean="0"/>
+              <a:t>13</a:t>
+            </a:fld>
+            <a:endParaRPr lang="en-US" dirty="0"/>
+          </a:p>
+        </p:txBody>
+      </p:sp>
+    </p:spTree>
+    <p:extLst>
+      <p:ext uri="{BB962C8B-B14F-4D97-AF65-F5344CB8AC3E}">
+        <p14:creationId xmlns:p14="http://schemas.microsoft.com/office/powerpoint/2010/main" val="4250804448"/>
+      </p:ext>
+    </p:extLst>
+  </p:cSld>
+  <p:clrMapOvr>
+    <a:masterClrMapping/>
+  </p:clrMapOvr>
+</p:notes>
+</file>
+
+<file path=ppt/notesSlides/notesSlide13.xml><?xml version="1.0" encoding="utf-8"?>
+<p:notes xmlns:a="http://schemas.openxmlformats.org/drawingml/2006/main" xmlns:r="http://schemas.openxmlformats.org/officeDocument/2006/relationships" xmlns:p="http://schemas.openxmlformats.org/presentationml/2006/main">
+  <p:cSld>
+    <p:spTree>
+      <p:nvGrpSpPr>
+        <p:cNvPr id="1" name=""/>
+        <p:cNvGrpSpPr/>
+        <p:nvPr/>
+      </p:nvGrpSpPr>
+      <p:grpSpPr>
+        <a:xfrm>
+          <a:off x="0" y="0"/>
+          <a:ext cx="0" cy="0"/>
+          <a:chOff x="0" y="0"/>
+          <a:chExt cx="0" cy="0"/>
+        </a:xfrm>
+      </p:grpSpPr>
+      <p:sp>
+        <p:nvSpPr>
+          <p:cNvPr id="2" name="Slide Image Placeholder 1"/>
+          <p:cNvSpPr>
+            <a:spLocks noGrp="1" noRot="1" noChangeAspect="1"/>
+          </p:cNvSpPr>
+          <p:nvPr>
+            <p:ph type="sldImg"/>
+          </p:nvPr>
+        </p:nvSpPr>
+        <p:spPr/>
+      </p:sp>
+      <p:sp>
+        <p:nvSpPr>
+          <p:cNvPr id="3" name="Notes Placeholder 2"/>
+          <p:cNvSpPr>
+            <a:spLocks noGrp="1"/>
+          </p:cNvSpPr>
+          <p:nvPr>
+            <p:ph type="body" idx="1"/>
+          </p:nvPr>
+        </p:nvSpPr>
+        <p:spPr/>
+        <p:txBody>
+          <a:bodyPr/>
+          <a:lstStyle/>
+          <a:p>
+            <a:r>
+              <a:rPr lang="en-US" dirty="0" smtClean="0"/>
+              <a:t>How to</a:t>
+            </a:r>
+            <a:r>
+              <a:rPr lang="en-US" baseline="0" dirty="0" smtClean="0"/>
+              <a:t> analyze the data and filter it </a:t>
+            </a:r>
+          </a:p>
+          <a:p>
+            <a:r>
+              <a:rPr lang="en-US" baseline="0" dirty="0" smtClean="0"/>
+              <a:t>Learned advanced settings in tableau</a:t>
+            </a:r>
+          </a:p>
+          <a:p>
+            <a:endParaRPr lang="en-US" dirty="0"/>
+          </a:p>
+        </p:txBody>
+      </p:sp>
+      <p:sp>
+        <p:nvSpPr>
+          <p:cNvPr id="4" name="Slide Number Placeholder 3"/>
+          <p:cNvSpPr>
+            <a:spLocks noGrp="1"/>
+          </p:cNvSpPr>
+          <p:nvPr>
+            <p:ph type="sldNum" sz="quarter" idx="10"/>
+          </p:nvPr>
+        </p:nvSpPr>
+        <p:spPr/>
+        <p:txBody>
+          <a:bodyPr/>
+          <a:lstStyle/>
+          <a:p>
+            <a:fld id="{771BCCD4-AC94-426B-93E5-1C063AF8D8D0}" type="slidenum">
+              <a:rPr lang="en-US" smtClean="0"/>
+              <a:t>14</a:t>
+            </a:fld>
+            <a:endParaRPr lang="en-US" dirty="0"/>
+          </a:p>
+        </p:txBody>
+      </p:sp>
+    </p:spTree>
+    <p:extLst>
+      <p:ext uri="{BB962C8B-B14F-4D97-AF65-F5344CB8AC3E}">
+        <p14:creationId xmlns:p14="http://schemas.microsoft.com/office/powerpoint/2010/main" val="3877567589"/>
       </p:ext>
     </p:extLst>
   </p:cSld>
@@ -606,42 +1005,90 @@
           <a:bodyPr/>
           <a:lstStyle/>
           <a:p>
-            <a:endParaRPr lang="en-US" dirty="0" smtClean="0"/>
-          </a:p>
-          <a:p>
             <a:r>
               <a:rPr lang="en-US" dirty="0" smtClean="0"/>
-              <a:t>https://bl.ocks.org/mbostock/5479367295dfe8f21002fc71d6500392</a:t>
-            </a:r>
-          </a:p>
-          <a:p>
-            <a:endParaRPr lang="en-US" dirty="0" smtClean="0"/>
-          </a:p>
-          <a:p>
+              <a:t>This is the outline and the</a:t>
+            </a:r>
+            <a:r>
+              <a:rPr lang="en-US" baseline="0" dirty="0" smtClean="0"/>
+              <a:t> contents </a:t>
+            </a:r>
             <a:r>
               <a:rPr lang="en-US" dirty="0" smtClean="0"/>
-              <a:t>This is an example of radial stacked bar graph representing the population of United States of different</a:t>
+              <a:t> of the</a:t>
             </a:r>
             <a:r>
               <a:rPr lang="en-US" baseline="0" dirty="0" smtClean="0"/>
-              <a:t> age </a:t>
+              <a:t> presentation that we  are going to discuss today</a:t>
+            </a:r>
+          </a:p>
+          <a:p>
+            <a:r>
+              <a:rPr lang="en-US" baseline="0" dirty="0" smtClean="0"/>
+              <a:t>Before I start the presentation can any one say what is a bar chart</a:t>
+            </a:r>
+          </a:p>
+          <a:p>
+            <a:r>
+              <a:rPr lang="en-US" baseline="0" dirty="0" smtClean="0"/>
+              <a:t>It is used to show the </a:t>
             </a:r>
             <a:r>
               <a:rPr lang="en-US" baseline="0" dirty="0" err="1" smtClean="0"/>
-              <a:t>groups.each</a:t>
+              <a:t>comparision</a:t>
             </a:r>
             <a:r>
               <a:rPr lang="en-US" baseline="0" dirty="0" smtClean="0"/>
-              <a:t> bar represent each state. Age groups are categorized and colored for each </a:t>
+              <a:t> between different </a:t>
             </a:r>
             <a:r>
               <a:rPr lang="en-US" baseline="0" dirty="0" err="1" smtClean="0"/>
-              <a:t>bar..Here</a:t>
+              <a:t>categories.For</a:t>
             </a:r>
             <a:r>
               <a:rPr lang="en-US" baseline="0" dirty="0" smtClean="0"/>
-              <a:t> by seeing this graph we can conclude that California has the highest population .Wyoming and the district of Columbia are having the lowest population.</a:t>
-            </a:r>
+              <a:t> example if we consider marks of a student 1 for three subjects ….take Java </a:t>
+            </a:r>
+            <a:r>
+              <a:rPr lang="en-US" baseline="0" dirty="0" err="1" smtClean="0"/>
+              <a:t>WebApps</a:t>
+            </a:r>
+            <a:r>
+              <a:rPr lang="en-US" baseline="0" dirty="0" smtClean="0"/>
+              <a:t> HCI  java 90% web apps 85% and  HCI 80% if we show in the graph ………….show on board……………… so what if I need to show the chart for the whole class consisting of 100 </a:t>
+            </a:r>
+            <a:r>
+              <a:rPr lang="en-US" baseline="0" dirty="0" err="1" smtClean="0"/>
+              <a:t>students.It</a:t>
+            </a:r>
+            <a:r>
+              <a:rPr lang="en-US" baseline="0" dirty="0" smtClean="0"/>
+              <a:t> is hard to show on a bar </a:t>
+            </a:r>
+            <a:r>
+              <a:rPr lang="en-US" baseline="0" dirty="0" err="1" smtClean="0"/>
+              <a:t>graph.To</a:t>
+            </a:r>
+            <a:r>
+              <a:rPr lang="en-US" baseline="0" dirty="0" smtClean="0"/>
+              <a:t> overcome this we can  </a:t>
+            </a:r>
+            <a:r>
+              <a:rPr lang="en-US" baseline="0" dirty="0" err="1" smtClean="0"/>
+              <a:t>usie</a:t>
+            </a:r>
+            <a:r>
+              <a:rPr lang="en-US" baseline="0" dirty="0" smtClean="0"/>
+              <a:t> a stacked bar graph or a radial stacked bar graph </a:t>
+            </a:r>
+          </a:p>
+          <a:p>
+            <a:r>
+              <a:rPr lang="en-US" baseline="0" dirty="0" smtClean="0"/>
+              <a:t>we can visualize them easily and we can give a conclusion </a:t>
+            </a:r>
+          </a:p>
+          <a:p>
             <a:endParaRPr lang="en-US" dirty="0"/>
           </a:p>
         </p:txBody>
@@ -663,7 +1110,7 @@
           <a:p>
             <a:fld id="{771BCCD4-AC94-426B-93E5-1C063AF8D8D0}" type="slidenum">
               <a:rPr lang="en-US" smtClean="0"/>
-              <a:t>4</a:t>
+              <a:t>2</a:t>
             </a:fld>
             <a:endParaRPr lang="en-US" dirty="0"/>
           </a:p>
@@ -672,7 +1119,7 @@
     </p:spTree>
     <p:extLst>
       <p:ext uri="{BB962C8B-B14F-4D97-AF65-F5344CB8AC3E}">
-        <p14:creationId xmlns:p14="http://schemas.microsoft.com/office/powerpoint/2010/main" val="604304236"/>
+        <p14:creationId xmlns:p14="http://schemas.microsoft.com/office/powerpoint/2010/main" val="2094712199"/>
       </p:ext>
     </p:extLst>
   </p:cSld>
@@ -728,33 +1175,19 @@
           <a:p>
             <a:r>
               <a:rPr lang="en-US" dirty="0" smtClean="0"/>
-              <a:t>It is an innovative software created by tableau software </a:t>
-            </a:r>
-          </a:p>
-          <a:p>
-            <a:endParaRPr lang="en-US" dirty="0" smtClean="0"/>
-          </a:p>
-          <a:p>
-            <a:endParaRPr lang="en-US" dirty="0" smtClean="0"/>
-          </a:p>
-          <a:p>
-            <a:r>
-              <a:rPr lang="en-US" dirty="0" smtClean="0"/>
-              <a:t>Cons</a:t>
-            </a:r>
-          </a:p>
-          <a:p>
-            <a:r>
-              <a:rPr lang="en-US" dirty="0" smtClean="0"/>
-              <a:t>Need</a:t>
+              <a:t>It is a radial version of the stacked bar graph which is circular</a:t>
             </a:r>
             <a:r>
               <a:rPr lang="en-US" baseline="0" dirty="0" smtClean="0"/>
-              <a:t> to buy a product key</a:t>
-            </a:r>
-          </a:p>
-          <a:p>
-            <a:endParaRPr lang="en-US" dirty="0" smtClean="0"/>
+              <a:t> in shape</a:t>
+            </a:r>
+          </a:p>
+          <a:p>
+            <a:r>
+              <a:rPr lang="en-US" baseline="0" dirty="0" smtClean="0"/>
+              <a:t>This chart is ideal for  representing different categories and the  bars in this chart are arranged in a circular form</a:t>
+            </a:r>
+            <a:endParaRPr lang="en-US" dirty="0"/>
           </a:p>
         </p:txBody>
       </p:sp>
@@ -775,7 +1208,7 @@
           <a:p>
             <a:fld id="{771BCCD4-AC94-426B-93E5-1C063AF8D8D0}" type="slidenum">
               <a:rPr lang="en-US" smtClean="0"/>
-              <a:t>5</a:t>
+              <a:t>3</a:t>
             </a:fld>
             <a:endParaRPr lang="en-US" dirty="0"/>
           </a:p>
@@ -784,7 +1217,7 @@
     </p:spTree>
     <p:extLst>
       <p:ext uri="{BB962C8B-B14F-4D97-AF65-F5344CB8AC3E}">
-        <p14:creationId xmlns:p14="http://schemas.microsoft.com/office/powerpoint/2010/main" val="3663748376"/>
+        <p14:creationId xmlns:p14="http://schemas.microsoft.com/office/powerpoint/2010/main" val="726765596"/>
       </p:ext>
     </p:extLst>
   </p:cSld>
@@ -838,6 +1271,84 @@
           <a:bodyPr/>
           <a:lstStyle/>
           <a:p>
+            <a:r>
+              <a:rPr lang="en-US" dirty="0" smtClean="0"/>
+              <a:t>Radial stacked bar chart is preferable over</a:t>
+            </a:r>
+            <a:r>
+              <a:rPr lang="en-US" baseline="0" dirty="0" smtClean="0"/>
+              <a:t> stacked bar chart when we have more number of records as representing bars in a linear from is difficult</a:t>
+            </a:r>
+          </a:p>
+          <a:p>
+            <a:r>
+              <a:rPr lang="en-US" baseline="0" dirty="0" smtClean="0"/>
+              <a:t>In the same way  radial stacked bar chart uses the efficient use of the screen space</a:t>
+            </a:r>
+            <a:endParaRPr lang="en-US" dirty="0" smtClean="0"/>
+          </a:p>
+          <a:p>
+            <a:r>
+              <a:rPr lang="en-US" dirty="0" smtClean="0"/>
+              <a:t>As visualization is all about presenting the data</a:t>
+            </a:r>
+            <a:r>
+              <a:rPr lang="en-US" baseline="0" dirty="0" smtClean="0"/>
+              <a:t> in a aesthetic and appropriate manner, the graph does it job</a:t>
+            </a:r>
+          </a:p>
+          <a:p>
+            <a:pPr marL="0" marR="0" lvl="0" indent="0" algn="l" defTabSz="914400" rtl="0" eaLnBrk="1" fontAlgn="auto" latinLnBrk="0" hangingPunct="1">
+              <a:lnSpc>
+                <a:spcPct val="100000"/>
+              </a:lnSpc>
+              <a:spcBef>
+                <a:spcPts val="0"/>
+              </a:spcBef>
+              <a:spcAft>
+                <a:spcPts val="0"/>
+              </a:spcAft>
+              <a:buClrTx/>
+              <a:buSzTx/>
+              <a:buFontTx/>
+              <a:buNone/>
+              <a:tabLst/>
+              <a:defRPr/>
+            </a:pPr>
+            <a:r>
+              <a:rPr lang="en-US" dirty="0" smtClean="0"/>
+              <a:t>Time variable data can be presented in a good manner</a:t>
+            </a:r>
+          </a:p>
+          <a:p>
+            <a:pPr marL="0" marR="0" lvl="0" indent="0" algn="l" defTabSz="914400" rtl="0" eaLnBrk="1" fontAlgn="auto" latinLnBrk="0" hangingPunct="1">
+              <a:lnSpc>
+                <a:spcPct val="100000"/>
+              </a:lnSpc>
+              <a:spcBef>
+                <a:spcPts val="0"/>
+              </a:spcBef>
+              <a:spcAft>
+                <a:spcPts val="0"/>
+              </a:spcAft>
+              <a:buClrTx/>
+              <a:buSzTx/>
+              <a:buFontTx/>
+              <a:buNone/>
+              <a:tabLst/>
+              <a:defRPr/>
+            </a:pPr>
+            <a:r>
+              <a:rPr lang="en-US" dirty="0" smtClean="0"/>
+              <a:t>Research also shows that eye tracking is easy</a:t>
+            </a:r>
+            <a:r>
+              <a:rPr lang="en-US" baseline="0" dirty="0" smtClean="0"/>
+              <a:t> when the data is shown in a radial stacked bar chart</a:t>
+            </a:r>
+            <a:endParaRPr lang="en-US" dirty="0" smtClean="0"/>
+          </a:p>
+          <a:p>
             <a:endParaRPr lang="en-US" dirty="0"/>
           </a:p>
         </p:txBody>
@@ -859,7 +1370,7 @@
           <a:p>
             <a:fld id="{771BCCD4-AC94-426B-93E5-1C063AF8D8D0}" type="slidenum">
               <a:rPr lang="en-US" smtClean="0"/>
-              <a:t>8</a:t>
+              <a:t>4</a:t>
             </a:fld>
             <a:endParaRPr lang="en-US" dirty="0"/>
           </a:p>
@@ -868,7 +1379,7 @@
     </p:spTree>
     <p:extLst>
       <p:ext uri="{BB962C8B-B14F-4D97-AF65-F5344CB8AC3E}">
-        <p14:creationId xmlns:p14="http://schemas.microsoft.com/office/powerpoint/2010/main" val="2176373035"/>
+        <p14:creationId xmlns:p14="http://schemas.microsoft.com/office/powerpoint/2010/main" val="1564167960"/>
       </p:ext>
     </p:extLst>
   </p:cSld>
@@ -922,22 +1433,34 @@
           <a:bodyPr/>
           <a:lstStyle/>
           <a:p>
+            <a:endParaRPr lang="en-US" dirty="0" smtClean="0"/>
+          </a:p>
+          <a:p>
             <a:r>
               <a:rPr lang="en-US" dirty="0" smtClean="0"/>
-              <a:t>How to</a:t>
+              <a:t>https://bl.ocks.org/mbostock/5479367295dfe8f21002fc71d6500392</a:t>
+            </a:r>
+          </a:p>
+          <a:p>
+            <a:endParaRPr lang="en-US" dirty="0" smtClean="0"/>
+          </a:p>
+          <a:p>
+            <a:r>
+              <a:rPr lang="en-US" dirty="0" smtClean="0"/>
+              <a:t>This is an example of radial stacked bar chart representing the population of United States of different</a:t>
             </a:r>
             <a:r>
               <a:rPr lang="en-US" baseline="0" dirty="0" smtClean="0"/>
-              <a:t> analyze the data and filter it </a:t>
-            </a:r>
-          </a:p>
-          <a:p>
+              <a:t> age groups and here each bar representing each state. Age groups are categorized and colored for each </a:t>
+            </a:r>
+            <a:r>
+              <a:rPr lang="en-US" baseline="0" dirty="0" err="1" smtClean="0"/>
+              <a:t>bar.Here</a:t>
+            </a:r>
             <a:r>
               <a:rPr lang="en-US" baseline="0" dirty="0" smtClean="0"/>
-              <a:t>Learned advanced settings in tableau</a:t>
-            </a:r>
-          </a:p>
-          <a:p>
+              <a:t> by seeing this graph we can conclude that California has the highest population .Wyoming and the district of Columbia are having the lowest population </a:t>
+            </a:r>
             <a:endParaRPr lang="en-US" dirty="0"/>
           </a:p>
         </p:txBody>
@@ -959,7 +1482,7 @@
           <a:p>
             <a:fld id="{771BCCD4-AC94-426B-93E5-1C063AF8D8D0}" type="slidenum">
               <a:rPr lang="en-US" smtClean="0"/>
-              <a:t>13</a:t>
+              <a:t>5</a:t>
             </a:fld>
             <a:endParaRPr lang="en-US" dirty="0"/>
           </a:p>
@@ -968,7 +1491,447 @@
     </p:spTree>
     <p:extLst>
       <p:ext uri="{BB962C8B-B14F-4D97-AF65-F5344CB8AC3E}">
-        <p14:creationId xmlns:p14="http://schemas.microsoft.com/office/powerpoint/2010/main" val="3877567589"/>
+        <p14:creationId xmlns:p14="http://schemas.microsoft.com/office/powerpoint/2010/main" val="604304236"/>
+      </p:ext>
+    </p:extLst>
+  </p:cSld>
+  <p:clrMapOvr>
+    <a:masterClrMapping/>
+  </p:clrMapOvr>
+</p:notes>
+</file>
+
+<file path=ppt/notesSlides/notesSlide6.xml><?xml version="1.0" encoding="utf-8"?>
+<p:notes xmlns:a="http://schemas.openxmlformats.org/drawingml/2006/main" xmlns:r="http://schemas.openxmlformats.org/officeDocument/2006/relationships" xmlns:p="http://schemas.openxmlformats.org/presentationml/2006/main">
+  <p:cSld>
+    <p:spTree>
+      <p:nvGrpSpPr>
+        <p:cNvPr id="1" name=""/>
+        <p:cNvGrpSpPr/>
+        <p:nvPr/>
+      </p:nvGrpSpPr>
+      <p:grpSpPr>
+        <a:xfrm>
+          <a:off x="0" y="0"/>
+          <a:ext cx="0" cy="0"/>
+          <a:chOff x="0" y="0"/>
+          <a:chExt cx="0" cy="0"/>
+        </a:xfrm>
+      </p:grpSpPr>
+      <p:sp>
+        <p:nvSpPr>
+          <p:cNvPr id="2" name="Slide Image Placeholder 1"/>
+          <p:cNvSpPr>
+            <a:spLocks noGrp="1" noRot="1" noChangeAspect="1"/>
+          </p:cNvSpPr>
+          <p:nvPr>
+            <p:ph type="sldImg"/>
+          </p:nvPr>
+        </p:nvSpPr>
+        <p:spPr/>
+      </p:sp>
+      <p:sp>
+        <p:nvSpPr>
+          <p:cNvPr id="3" name="Notes Placeholder 2"/>
+          <p:cNvSpPr>
+            <a:spLocks noGrp="1"/>
+          </p:cNvSpPr>
+          <p:nvPr>
+            <p:ph type="body" idx="1"/>
+          </p:nvPr>
+        </p:nvSpPr>
+        <p:spPr/>
+        <p:txBody>
+          <a:bodyPr/>
+          <a:lstStyle/>
+          <a:p>
+            <a:r>
+              <a:rPr lang="en-US" dirty="0" smtClean="0"/>
+              <a:t>As discussed</a:t>
+            </a:r>
+            <a:r>
+              <a:rPr lang="en-US" baseline="0" dirty="0" smtClean="0"/>
+              <a:t> earlier tableau is a  </a:t>
+            </a:r>
+            <a:r>
+              <a:rPr lang="en-US" dirty="0" smtClean="0"/>
+              <a:t>groundbreaking(innovative)  DV  software created by Tableau software</a:t>
+            </a:r>
+          </a:p>
+          <a:p>
+            <a:r>
+              <a:rPr lang="en-US" dirty="0" smtClean="0"/>
+              <a:t>Easy</a:t>
+            </a:r>
+            <a:r>
+              <a:rPr lang="en-US" baseline="0" dirty="0" smtClean="0"/>
+              <a:t> to connect to any file format</a:t>
+            </a:r>
+          </a:p>
+          <a:p>
+            <a:r>
+              <a:rPr lang="en-US" baseline="0" dirty="0" smtClean="0"/>
+              <a:t>No 1 in the magic quadrant consecutively for three times reported by </a:t>
+            </a:r>
+            <a:r>
+              <a:rPr lang="en-US" baseline="0" dirty="0" err="1" smtClean="0"/>
+              <a:t>gartner</a:t>
+            </a:r>
+            <a:endParaRPr lang="en-US" dirty="0" smtClean="0"/>
+          </a:p>
+          <a:p>
+            <a:endParaRPr lang="en-US" dirty="0" smtClean="0"/>
+          </a:p>
+          <a:p>
+            <a:r>
+              <a:rPr lang="en-US" dirty="0" smtClean="0"/>
+              <a:t>It is an innovative software created by tableau software </a:t>
+            </a:r>
+          </a:p>
+          <a:p>
+            <a:endParaRPr lang="en-US" dirty="0" smtClean="0"/>
+          </a:p>
+          <a:p>
+            <a:endParaRPr lang="en-US" dirty="0" smtClean="0"/>
+          </a:p>
+          <a:p>
+            <a:r>
+              <a:rPr lang="en-US" dirty="0" smtClean="0"/>
+              <a:t>Cons</a:t>
+            </a:r>
+          </a:p>
+          <a:p>
+            <a:r>
+              <a:rPr lang="en-US" dirty="0" smtClean="0"/>
+              <a:t>Need</a:t>
+            </a:r>
+            <a:r>
+              <a:rPr lang="en-US" baseline="0" dirty="0" smtClean="0"/>
+              <a:t> to buy a product key</a:t>
+            </a:r>
+          </a:p>
+          <a:p>
+            <a:endParaRPr lang="en-US" dirty="0" smtClean="0"/>
+          </a:p>
+        </p:txBody>
+      </p:sp>
+      <p:sp>
+        <p:nvSpPr>
+          <p:cNvPr id="4" name="Slide Number Placeholder 3"/>
+          <p:cNvSpPr>
+            <a:spLocks noGrp="1"/>
+          </p:cNvSpPr>
+          <p:nvPr>
+            <p:ph type="sldNum" sz="quarter" idx="10"/>
+          </p:nvPr>
+        </p:nvSpPr>
+        <p:spPr/>
+        <p:txBody>
+          <a:bodyPr/>
+          <a:lstStyle/>
+          <a:p>
+            <a:fld id="{771BCCD4-AC94-426B-93E5-1C063AF8D8D0}" type="slidenum">
+              <a:rPr lang="en-US" smtClean="0"/>
+              <a:t>6</a:t>
+            </a:fld>
+            <a:endParaRPr lang="en-US" dirty="0"/>
+          </a:p>
+        </p:txBody>
+      </p:sp>
+    </p:spTree>
+    <p:extLst>
+      <p:ext uri="{BB962C8B-B14F-4D97-AF65-F5344CB8AC3E}">
+        <p14:creationId xmlns:p14="http://schemas.microsoft.com/office/powerpoint/2010/main" val="3663748376"/>
+      </p:ext>
+    </p:extLst>
+  </p:cSld>
+  <p:clrMapOvr>
+    <a:masterClrMapping/>
+  </p:clrMapOvr>
+</p:notes>
+</file>
+
+<file path=ppt/notesSlides/notesSlide7.xml><?xml version="1.0" encoding="utf-8"?>
+<p:notes xmlns:a="http://schemas.openxmlformats.org/drawingml/2006/main" xmlns:r="http://schemas.openxmlformats.org/officeDocument/2006/relationships" xmlns:p="http://schemas.openxmlformats.org/presentationml/2006/main">
+  <p:cSld>
+    <p:spTree>
+      <p:nvGrpSpPr>
+        <p:cNvPr id="1" name=""/>
+        <p:cNvGrpSpPr/>
+        <p:nvPr/>
+      </p:nvGrpSpPr>
+      <p:grpSpPr>
+        <a:xfrm>
+          <a:off x="0" y="0"/>
+          <a:ext cx="0" cy="0"/>
+          <a:chOff x="0" y="0"/>
+          <a:chExt cx="0" cy="0"/>
+        </a:xfrm>
+      </p:grpSpPr>
+      <p:sp>
+        <p:nvSpPr>
+          <p:cNvPr id="2" name="Slide Image Placeholder 1"/>
+          <p:cNvSpPr>
+            <a:spLocks noGrp="1" noRot="1" noChangeAspect="1"/>
+          </p:cNvSpPr>
+          <p:nvPr>
+            <p:ph type="sldImg"/>
+          </p:nvPr>
+        </p:nvSpPr>
+        <p:spPr/>
+      </p:sp>
+      <p:sp>
+        <p:nvSpPr>
+          <p:cNvPr id="3" name="Notes Placeholder 2"/>
+          <p:cNvSpPr>
+            <a:spLocks noGrp="1"/>
+          </p:cNvSpPr>
+          <p:nvPr>
+            <p:ph type="body" idx="1"/>
+          </p:nvPr>
+        </p:nvSpPr>
+        <p:spPr/>
+        <p:txBody>
+          <a:bodyPr/>
+          <a:lstStyle/>
+          <a:p>
+            <a:r>
+              <a:rPr lang="en-US" dirty="0" smtClean="0"/>
+              <a:t>These are the steps to use tableau and I think you all are familiar with</a:t>
+            </a:r>
+            <a:r>
+              <a:rPr lang="en-US" baseline="0" dirty="0" smtClean="0"/>
+              <a:t> these steps </a:t>
+            </a:r>
+            <a:endParaRPr lang="en-US" dirty="0"/>
+          </a:p>
+        </p:txBody>
+      </p:sp>
+      <p:sp>
+        <p:nvSpPr>
+          <p:cNvPr id="4" name="Slide Number Placeholder 3"/>
+          <p:cNvSpPr>
+            <a:spLocks noGrp="1"/>
+          </p:cNvSpPr>
+          <p:nvPr>
+            <p:ph type="sldNum" sz="quarter" idx="10"/>
+          </p:nvPr>
+        </p:nvSpPr>
+        <p:spPr/>
+        <p:txBody>
+          <a:bodyPr/>
+          <a:lstStyle/>
+          <a:p>
+            <a:fld id="{771BCCD4-AC94-426B-93E5-1C063AF8D8D0}" type="slidenum">
+              <a:rPr lang="en-US" smtClean="0"/>
+              <a:t>8</a:t>
+            </a:fld>
+            <a:endParaRPr lang="en-US" dirty="0"/>
+          </a:p>
+        </p:txBody>
+      </p:sp>
+    </p:spTree>
+    <p:extLst>
+      <p:ext uri="{BB962C8B-B14F-4D97-AF65-F5344CB8AC3E}">
+        <p14:creationId xmlns:p14="http://schemas.microsoft.com/office/powerpoint/2010/main" val="3802811348"/>
+      </p:ext>
+    </p:extLst>
+  </p:cSld>
+  <p:clrMapOvr>
+    <a:masterClrMapping/>
+  </p:clrMapOvr>
+</p:notes>
+</file>
+
+<file path=ppt/notesSlides/notesSlide8.xml><?xml version="1.0" encoding="utf-8"?>
+<p:notes xmlns:a="http://schemas.openxmlformats.org/drawingml/2006/main" xmlns:r="http://schemas.openxmlformats.org/officeDocument/2006/relationships" xmlns:p="http://schemas.openxmlformats.org/presentationml/2006/main">
+  <p:cSld>
+    <p:spTree>
+      <p:nvGrpSpPr>
+        <p:cNvPr id="1" name=""/>
+        <p:cNvGrpSpPr/>
+        <p:nvPr/>
+      </p:nvGrpSpPr>
+      <p:grpSpPr>
+        <a:xfrm>
+          <a:off x="0" y="0"/>
+          <a:ext cx="0" cy="0"/>
+          <a:chOff x="0" y="0"/>
+          <a:chExt cx="0" cy="0"/>
+        </a:xfrm>
+      </p:grpSpPr>
+      <p:sp>
+        <p:nvSpPr>
+          <p:cNvPr id="2" name="Slide Image Placeholder 1"/>
+          <p:cNvSpPr>
+            <a:spLocks noGrp="1" noRot="1" noChangeAspect="1"/>
+          </p:cNvSpPr>
+          <p:nvPr>
+            <p:ph type="sldImg"/>
+          </p:nvPr>
+        </p:nvSpPr>
+        <p:spPr/>
+      </p:sp>
+      <p:sp>
+        <p:nvSpPr>
+          <p:cNvPr id="3" name="Notes Placeholder 2"/>
+          <p:cNvSpPr>
+            <a:spLocks noGrp="1"/>
+          </p:cNvSpPr>
+          <p:nvPr>
+            <p:ph type="body" idx="1"/>
+          </p:nvPr>
+        </p:nvSpPr>
+        <p:spPr/>
+        <p:txBody>
+          <a:bodyPr/>
+          <a:lstStyle/>
+          <a:p>
+            <a:r>
+              <a:rPr lang="en-US" dirty="0" smtClean="0"/>
+              <a:t>This is the data set I have chosen to draw my chart and it has</a:t>
+            </a:r>
+            <a:r>
+              <a:rPr lang="en-US" baseline="0" dirty="0" smtClean="0"/>
+              <a:t> 21 attributes and 9995 </a:t>
+            </a:r>
+            <a:r>
+              <a:rPr lang="en-US" baseline="0" dirty="0" err="1" smtClean="0"/>
+              <a:t>records.The</a:t>
+            </a:r>
+            <a:r>
+              <a:rPr lang="en-US" baseline="0" dirty="0" smtClean="0"/>
+              <a:t> data represents the sales , orders information of a company which  has product information for different categories like office supplies, furniture and technology and also has the country and the state names where the products are shipped. </a:t>
+            </a:r>
+            <a:endParaRPr lang="en-US" dirty="0"/>
+          </a:p>
+        </p:txBody>
+      </p:sp>
+      <p:sp>
+        <p:nvSpPr>
+          <p:cNvPr id="4" name="Slide Number Placeholder 3"/>
+          <p:cNvSpPr>
+            <a:spLocks noGrp="1"/>
+          </p:cNvSpPr>
+          <p:nvPr>
+            <p:ph type="sldNum" sz="quarter" idx="10"/>
+          </p:nvPr>
+        </p:nvSpPr>
+        <p:spPr/>
+        <p:txBody>
+          <a:bodyPr/>
+          <a:lstStyle/>
+          <a:p>
+            <a:fld id="{771BCCD4-AC94-426B-93E5-1C063AF8D8D0}" type="slidenum">
+              <a:rPr lang="en-US" smtClean="0"/>
+              <a:t>9</a:t>
+            </a:fld>
+            <a:endParaRPr lang="en-US" dirty="0"/>
+          </a:p>
+        </p:txBody>
+      </p:sp>
+    </p:spTree>
+    <p:extLst>
+      <p:ext uri="{BB962C8B-B14F-4D97-AF65-F5344CB8AC3E}">
+        <p14:creationId xmlns:p14="http://schemas.microsoft.com/office/powerpoint/2010/main" val="2176373035"/>
+      </p:ext>
+    </p:extLst>
+  </p:cSld>
+  <p:clrMapOvr>
+    <a:masterClrMapping/>
+  </p:clrMapOvr>
+</p:notes>
+</file>
+
+<file path=ppt/notesSlides/notesSlide9.xml><?xml version="1.0" encoding="utf-8"?>
+<p:notes xmlns:a="http://schemas.openxmlformats.org/drawingml/2006/main" xmlns:r="http://schemas.openxmlformats.org/officeDocument/2006/relationships" xmlns:p="http://schemas.openxmlformats.org/presentationml/2006/main">
+  <p:cSld>
+    <p:spTree>
+      <p:nvGrpSpPr>
+        <p:cNvPr id="1" name=""/>
+        <p:cNvGrpSpPr/>
+        <p:nvPr/>
+      </p:nvGrpSpPr>
+      <p:grpSpPr>
+        <a:xfrm>
+          <a:off x="0" y="0"/>
+          <a:ext cx="0" cy="0"/>
+          <a:chOff x="0" y="0"/>
+          <a:chExt cx="0" cy="0"/>
+        </a:xfrm>
+      </p:grpSpPr>
+      <p:sp>
+        <p:nvSpPr>
+          <p:cNvPr id="2" name="Slide Image Placeholder 1"/>
+          <p:cNvSpPr>
+            <a:spLocks noGrp="1" noRot="1" noChangeAspect="1"/>
+          </p:cNvSpPr>
+          <p:nvPr>
+            <p:ph type="sldImg"/>
+          </p:nvPr>
+        </p:nvSpPr>
+        <p:spPr/>
+      </p:sp>
+      <p:sp>
+        <p:nvSpPr>
+          <p:cNvPr id="3" name="Notes Placeholder 2"/>
+          <p:cNvSpPr>
+            <a:spLocks noGrp="1"/>
+          </p:cNvSpPr>
+          <p:nvPr>
+            <p:ph type="body" idx="1"/>
+          </p:nvPr>
+        </p:nvSpPr>
+        <p:spPr/>
+        <p:txBody>
+          <a:bodyPr/>
+          <a:lstStyle/>
+          <a:p>
+            <a:r>
+              <a:rPr lang="en-US" dirty="0" smtClean="0"/>
+              <a:t>My goal</a:t>
+            </a:r>
+            <a:r>
+              <a:rPr lang="en-US" baseline="0" dirty="0" smtClean="0"/>
+              <a:t> is to visualize a radial stacked  bar chart using Tableau to show different categories of products that were sold by a company in different states of USA in the years 2013 to 2016.</a:t>
+            </a:r>
+          </a:p>
+          <a:p>
+            <a:r>
+              <a:rPr lang="en-US" baseline="0" dirty="0" smtClean="0"/>
+              <a:t>This is the source for my data</a:t>
+            </a:r>
+            <a:endParaRPr lang="en-US" dirty="0"/>
+          </a:p>
+        </p:txBody>
+      </p:sp>
+      <p:sp>
+        <p:nvSpPr>
+          <p:cNvPr id="4" name="Slide Number Placeholder 3"/>
+          <p:cNvSpPr>
+            <a:spLocks noGrp="1"/>
+          </p:cNvSpPr>
+          <p:nvPr>
+            <p:ph type="sldNum" sz="quarter" idx="10"/>
+          </p:nvPr>
+        </p:nvSpPr>
+        <p:spPr/>
+        <p:txBody>
+          <a:bodyPr/>
+          <a:lstStyle/>
+          <a:p>
+            <a:fld id="{771BCCD4-AC94-426B-93E5-1C063AF8D8D0}" type="slidenum">
+              <a:rPr lang="en-US" smtClean="0"/>
+              <a:t>10</a:t>
+            </a:fld>
+            <a:endParaRPr lang="en-US" dirty="0"/>
+          </a:p>
+        </p:txBody>
+      </p:sp>
+    </p:spTree>
+    <p:extLst>
+      <p:ext uri="{BB962C8B-B14F-4D97-AF65-F5344CB8AC3E}">
+        <p14:creationId xmlns:p14="http://schemas.microsoft.com/office/powerpoint/2010/main" val="2907764909"/>
       </p:ext>
     </p:extLst>
   </p:cSld>
@@ -6681,8 +7644,63 @@
           <a:p>
             <a:r>
               <a:rPr lang="en-US" dirty="0" smtClean="0"/>
-              <a:t>Radial stacked bar chart for the dataset</a:t>
-            </a:r>
+              <a:t>Goals</a:t>
+            </a:r>
+            <a:endParaRPr lang="en-US" dirty="0"/>
+          </a:p>
+        </p:txBody>
+      </p:sp>
+      <p:sp>
+        <p:nvSpPr>
+          <p:cNvPr id="3" name="Content Placeholder 2"/>
+          <p:cNvSpPr>
+            <a:spLocks noGrp="1"/>
+          </p:cNvSpPr>
+          <p:nvPr>
+            <p:ph idx="1"/>
+          </p:nvPr>
+        </p:nvSpPr>
+        <p:spPr/>
+        <p:txBody>
+          <a:bodyPr/>
+          <a:lstStyle/>
+          <a:p>
+            <a:r>
+              <a:rPr lang="en-US" dirty="0"/>
+              <a:t>T</a:t>
+            </a:r>
+            <a:r>
+              <a:rPr lang="en-US" dirty="0" smtClean="0"/>
+              <a:t>o visualize a radial stacked bar chart showing sales of different categories of products of various states in the U.S.A in the years 2013 to 2016</a:t>
+            </a:r>
+          </a:p>
+          <a:p>
+            <a:endParaRPr lang="en-US" dirty="0"/>
+          </a:p>
+          <a:p>
+            <a:r>
+              <a:rPr lang="en-US" dirty="0" smtClean="0"/>
+              <a:t>Data </a:t>
+            </a:r>
+            <a:r>
+              <a:rPr lang="en-US" dirty="0"/>
+              <a:t>Source: </a:t>
+            </a:r>
+            <a:r>
+              <a:rPr lang="en-US" dirty="0">
+                <a:hlinkClick r:id="rId3"/>
+              </a:rPr>
+              <a:t>https://</a:t>
+            </a:r>
+            <a:r>
+              <a:rPr lang="en-US" dirty="0" smtClean="0">
+                <a:hlinkClick r:id="rId3"/>
+              </a:rPr>
+              <a:t>community.tableau.com/docs/DOC-10198</a:t>
+            </a:r>
+            <a:endParaRPr lang="en-US" dirty="0" smtClean="0"/>
+          </a:p>
+          <a:p>
             <a:endParaRPr lang="en-US" dirty="0"/>
           </a:p>
         </p:txBody>
@@ -6706,66 +7724,6 @@
               <a:rPr lang="en-US" smtClean="0"/>
               <a:t>10</a:t>
             </a:fld>
-            <a:r>
-              <a:rPr lang="en-US" dirty="0" smtClean="0"/>
-              <a:t>6</a:t>
-            </a:r>
-            <a:endParaRPr lang="en-US" dirty="0"/>
-          </a:p>
-        </p:txBody>
-      </p:sp>
-      <p:pic>
-        <p:nvPicPr>
-          <p:cNvPr id="8" name="Content Placeholder 7"/>
-          <p:cNvPicPr>
-            <a:picLocks noGrp="1" noChangeAspect="1"/>
-          </p:cNvPicPr>
-          <p:nvPr>
-            <p:ph idx="1"/>
-          </p:nvPr>
-        </p:nvPicPr>
-        <p:blipFill>
-          <a:blip r:embed="rId2"/>
-          <a:stretch>
-            <a:fillRect/>
-          </a:stretch>
-        </p:blipFill>
-        <p:spPr>
-          <a:xfrm>
-            <a:off x="1661532" y="1349298"/>
-            <a:ext cx="8854068" cy="5185317"/>
-          </a:xfrm>
-          <a:prstGeom prst="rect">
-            <a:avLst/>
-          </a:prstGeom>
-        </p:spPr>
-      </p:pic>
-      <p:sp>
-        <p:nvSpPr>
-          <p:cNvPr id="9" name="TextBox 8"/>
-          <p:cNvSpPr txBox="1"/>
-          <p:nvPr/>
-        </p:nvSpPr>
-        <p:spPr>
-          <a:xfrm>
-            <a:off x="2141034" y="6445405"/>
-            <a:ext cx="6367346" cy="369332"/>
-          </a:xfrm>
-          <a:prstGeom prst="rect">
-            <a:avLst/>
-          </a:prstGeom>
-          <a:noFill/>
-        </p:spPr>
-        <p:txBody>
-          <a:bodyPr wrap="square" rtlCol="0">
-            <a:spAutoFit/>
-          </a:bodyPr>
-          <a:lstStyle/>
-          <a:p>
-            <a:r>
-              <a:rPr lang="en-US" dirty="0" smtClean="0"/>
-              <a:t>Fig 1.1 Drawn using tableau</a:t>
-            </a:r>
             <a:endParaRPr lang="en-US" dirty="0"/>
           </a:p>
         </p:txBody>
@@ -6773,7 +7731,7 @@
     </p:spTree>
     <p:extLst>
       <p:ext uri="{BB962C8B-B14F-4D97-AF65-F5344CB8AC3E}">
-        <p14:creationId xmlns:p14="http://schemas.microsoft.com/office/powerpoint/2010/main" val="752757948"/>
+        <p14:creationId xmlns:p14="http://schemas.microsoft.com/office/powerpoint/2010/main" val="1518718828"/>
       </p:ext>
     </p:extLst>
   </p:cSld>
@@ -6823,10 +7781,9 @@
           <a:lstStyle/>
           <a:p>
             <a:r>
-              <a:rPr lang="en-US" dirty="0" smtClean="0"/>
-              <a:t>Demonstration</a:t>
-            </a:r>
-            <a:endParaRPr lang="en-US" dirty="0"/>
+              <a:rPr lang="en-US" dirty="0"/>
+              <a:t>Radial stacked bar chart for the dataset</a:t>
+            </a:r>
           </a:p>
         </p:txBody>
       </p:sp>
@@ -6855,89 +7812,38 @@
       </p:sp>
       <p:pic>
         <p:nvPicPr>
-          <p:cNvPr id="3074" name="Picture 2" descr="Image result for demonstration icon"/>
+          <p:cNvPr id="5" name="Picture 4"/>
           <p:cNvPicPr>
-            <a:picLocks noGrp="1" noChangeAspect="1" noChangeArrowheads="1"/>
+            <a:picLocks noChangeAspect="1"/>
           </p:cNvPicPr>
-          <p:nvPr>
-            <p:ph idx="1"/>
-          </p:nvPr>
+          <p:nvPr/>
         </p:nvPicPr>
         <p:blipFill>
-          <a:blip r:embed="rId2">
+          <a:blip r:embed="rId3">
             <a:extLst>
               <a:ext uri="{28A0092B-C50C-407E-A947-70E740481C1C}">
                 <a14:useLocalDpi xmlns:a14="http://schemas.microsoft.com/office/drawing/2010/main" val="0"/>
               </a:ext>
             </a:extLst>
           </a:blip>
-          <a:srcRect/>
           <a:stretch>
             <a:fillRect/>
           </a:stretch>
         </p:blipFill>
-        <p:spPr bwMode="auto">
+        <p:spPr>
           <a:xfrm>
-            <a:off x="3249399" y="1312126"/>
-            <a:ext cx="4608513" cy="4608513"/>
+            <a:off x="2784993" y="1259032"/>
+            <a:ext cx="7128442" cy="5598968"/>
           </a:xfrm>
           <a:prstGeom prst="rect">
             <a:avLst/>
           </a:prstGeom>
-          <a:noFill/>
-          <a:extLst>
-            <a:ext uri="{909E8E84-426E-40DD-AFC4-6F175D3DCCD1}">
-              <a14:hiddenFill xmlns:a14="http://schemas.microsoft.com/office/drawing/2010/main">
-                <a:solidFill>
-                  <a:srgbClr val="FFFFFF"/>
-                </a:solidFill>
-              </a14:hiddenFill>
-            </a:ext>
-          </a:extLst>
         </p:spPr>
       </p:pic>
-      <p:sp>
-        <p:nvSpPr>
-          <p:cNvPr id="5" name="TextBox 4"/>
-          <p:cNvSpPr txBox="1"/>
-          <p:nvPr/>
-        </p:nvSpPr>
-        <p:spPr>
-          <a:xfrm>
-            <a:off x="1524000" y="6091624"/>
-            <a:ext cx="8322527" cy="369332"/>
-          </a:xfrm>
-          <a:prstGeom prst="rect">
-            <a:avLst/>
-          </a:prstGeom>
-          <a:noFill/>
-        </p:spPr>
-        <p:txBody>
-          <a:bodyPr wrap="square" rtlCol="0">
-            <a:spAutoFit/>
-          </a:bodyPr>
-          <a:lstStyle/>
-          <a:p>
-            <a:r>
-              <a:rPr lang="en-US" dirty="0">
-                <a:hlinkClick r:id="rId3"/>
-              </a:rPr>
-              <a:t>https://</a:t>
-            </a:r>
-            <a:r>
-              <a:rPr lang="en-US" dirty="0" smtClean="0">
-                <a:hlinkClick r:id="rId3"/>
-              </a:rPr>
-              <a:t>www.google.com/search?q=demonstration+icon&amp;source\fsdjf</a:t>
-            </a:r>
-            <a:endParaRPr lang="en-US" dirty="0"/>
-          </a:p>
-        </p:txBody>
-      </p:sp>
     </p:spTree>
     <p:extLst>
       <p:ext uri="{BB962C8B-B14F-4D97-AF65-F5344CB8AC3E}">
-        <p14:creationId xmlns:p14="http://schemas.microsoft.com/office/powerpoint/2010/main" val="4209107379"/>
+        <p14:creationId xmlns:p14="http://schemas.microsoft.com/office/powerpoint/2010/main" val="136705447"/>
       </p:ext>
     </p:extLst>
   </p:cSld>
@@ -6988,48 +7894,8 @@
           <a:p>
             <a:r>
               <a:rPr lang="en-US" dirty="0" smtClean="0"/>
-              <a:t>Pros and Cons</a:t>
-            </a:r>
-            <a:endParaRPr lang="en-US" dirty="0"/>
-          </a:p>
-        </p:txBody>
-      </p:sp>
-      <p:sp>
-        <p:nvSpPr>
-          <p:cNvPr id="3" name="Content Placeholder 2"/>
-          <p:cNvSpPr>
-            <a:spLocks noGrp="1"/>
-          </p:cNvSpPr>
-          <p:nvPr>
-            <p:ph idx="1"/>
-          </p:nvPr>
-        </p:nvSpPr>
-        <p:spPr/>
-        <p:txBody>
-          <a:bodyPr/>
-          <a:lstStyle/>
-          <a:p>
-            <a:r>
-              <a:rPr lang="en-US" dirty="0" smtClean="0"/>
-              <a:t>Data that is categorized can be visualized easily using the radial stacked bar graph</a:t>
-            </a:r>
-          </a:p>
-          <a:p>
-            <a:endParaRPr lang="en-US" dirty="0"/>
-          </a:p>
-          <a:p>
-            <a:r>
-              <a:rPr lang="en-US" dirty="0" smtClean="0"/>
-              <a:t>There is no large difference between stacked bar chart and radial stacked bar chart</a:t>
-            </a:r>
-          </a:p>
-          <a:p>
-            <a:r>
-              <a:rPr lang="en-US" dirty="0" smtClean="0"/>
-              <a:t>Could not get the full version of the tool unless has a product key</a:t>
-            </a:r>
-          </a:p>
-          <a:p>
+              <a:t>Demonstration</a:t>
+            </a:r>
             <a:endParaRPr lang="en-US" dirty="0"/>
           </a:p>
         </p:txBody>
@@ -7057,10 +7923,91 @@
           </a:p>
         </p:txBody>
       </p:sp>
+      <p:pic>
+        <p:nvPicPr>
+          <p:cNvPr id="3074" name="Picture 2" descr="Image result for demonstration icon"/>
+          <p:cNvPicPr>
+            <a:picLocks noGrp="1" noChangeAspect="1" noChangeArrowheads="1"/>
+          </p:cNvPicPr>
+          <p:nvPr>
+            <p:ph idx="1"/>
+          </p:nvPr>
+        </p:nvPicPr>
+        <p:blipFill>
+          <a:blip r:embed="rId3">
+            <a:extLst>
+              <a:ext uri="{28A0092B-C50C-407E-A947-70E740481C1C}">
+                <a14:useLocalDpi xmlns:a14="http://schemas.microsoft.com/office/drawing/2010/main" val="0"/>
+              </a:ext>
+            </a:extLst>
+          </a:blip>
+          <a:srcRect/>
+          <a:stretch>
+            <a:fillRect/>
+          </a:stretch>
+        </p:blipFill>
+        <p:spPr bwMode="auto">
+          <a:xfrm>
+            <a:off x="3249399" y="1312126"/>
+            <a:ext cx="4608513" cy="4608513"/>
+          </a:xfrm>
+          <a:prstGeom prst="rect">
+            <a:avLst/>
+          </a:prstGeom>
+          <a:noFill/>
+          <a:extLst>
+            <a:ext uri="{909E8E84-426E-40DD-AFC4-6F175D3DCCD1}">
+              <a14:hiddenFill xmlns:a14="http://schemas.microsoft.com/office/drawing/2010/main">
+                <a:solidFill>
+                  <a:srgbClr val="FFFFFF"/>
+                </a:solidFill>
+              </a14:hiddenFill>
+            </a:ext>
+          </a:extLst>
+        </p:spPr>
+      </p:pic>
+      <p:sp>
+        <p:nvSpPr>
+          <p:cNvPr id="5" name="TextBox 4"/>
+          <p:cNvSpPr txBox="1"/>
+          <p:nvPr/>
+        </p:nvSpPr>
+        <p:spPr>
+          <a:xfrm>
+            <a:off x="1524000" y="6091624"/>
+            <a:ext cx="8322527" cy="369332"/>
+          </a:xfrm>
+          <a:prstGeom prst="rect">
+            <a:avLst/>
+          </a:prstGeom>
+          <a:noFill/>
+        </p:spPr>
+        <p:txBody>
+          <a:bodyPr wrap="square" rtlCol="0">
+            <a:spAutoFit/>
+          </a:bodyPr>
+          <a:lstStyle/>
+          <a:p>
+            <a:r>
+              <a:rPr lang="en-US" dirty="0">
+                <a:hlinkClick r:id="rId4"/>
+              </a:rPr>
+              <a:t>https://</a:t>
+            </a:r>
+            <a:r>
+              <a:rPr lang="en-US" dirty="0" smtClean="0">
+                <a:hlinkClick r:id="rId4"/>
+              </a:rPr>
+              <a:t>www.google.com/search?q=demonstration+icon&amp;source\fsdjf</a:t>
+            </a:r>
+            <a:endParaRPr lang="en-US" dirty="0"/>
+          </a:p>
+        </p:txBody>
+      </p:sp>
     </p:spTree>
     <p:extLst>
       <p:ext uri="{BB962C8B-B14F-4D97-AF65-F5344CB8AC3E}">
-        <p14:creationId xmlns:p14="http://schemas.microsoft.com/office/powerpoint/2010/main" val="1272596423"/>
+        <p14:creationId xmlns:p14="http://schemas.microsoft.com/office/powerpoint/2010/main" val="4209107379"/>
       </p:ext>
     </p:extLst>
   </p:cSld>
@@ -7111,7 +8058,7 @@
           <a:p>
             <a:r>
               <a:rPr lang="en-US" dirty="0" smtClean="0"/>
-              <a:t>Lessons Learned</a:t>
+              <a:t>Pros and Cons</a:t>
             </a:r>
             <a:endParaRPr lang="en-US" dirty="0"/>
           </a:p>
@@ -7134,29 +8081,23 @@
           <a:p>
             <a:r>
               <a:rPr lang="en-US" dirty="0" smtClean="0"/>
-              <a:t>Analyze data and get an appropriate chart from it</a:t>
-            </a:r>
+              <a:t>Data that is categorized can be visualized easily using the radial stacked bar graph</a:t>
+            </a:r>
+          </a:p>
+          <a:p>
+            <a:endParaRPr lang="en-US" dirty="0"/>
           </a:p>
           <a:p>
             <a:r>
               <a:rPr lang="en-US" dirty="0" smtClean="0"/>
-              <a:t>More familiar with settings in tableau</a:t>
+              <a:t>There is no large difference between stacked bar chart and radial stacked bar chart</a:t>
             </a:r>
           </a:p>
           <a:p>
             <a:r>
               <a:rPr lang="en-US" dirty="0" smtClean="0"/>
-              <a:t>Significance of other tools</a:t>
-            </a:r>
-          </a:p>
-          <a:p>
-            <a:r>
-              <a:rPr lang="en-US" dirty="0" smtClean="0"/>
-              <a:t>Explored and learned different tools in the process of learning</a:t>
-            </a:r>
-          </a:p>
-          <a:p>
-            <a:endParaRPr lang="en-US" dirty="0" smtClean="0"/>
+              <a:t>Could not get the full version of the tool unless has a product key</a:t>
+            </a:r>
           </a:p>
           <a:p>
             <a:endParaRPr lang="en-US" dirty="0"/>
@@ -7189,7 +8130,7 @@
     </p:spTree>
     <p:extLst>
       <p:ext uri="{BB962C8B-B14F-4D97-AF65-F5344CB8AC3E}">
-        <p14:creationId xmlns:p14="http://schemas.microsoft.com/office/powerpoint/2010/main" val="161663826"/>
+        <p14:creationId xmlns:p14="http://schemas.microsoft.com/office/powerpoint/2010/main" val="1272596423"/>
       </p:ext>
     </p:extLst>
   </p:cSld>
@@ -7238,7 +8179,57 @@
           <a:bodyPr/>
           <a:lstStyle/>
           <a:p>
-            <a:endParaRPr lang="en-US"/>
+            <a:r>
+              <a:rPr lang="en-US" dirty="0" smtClean="0"/>
+              <a:t>Lessons Learned</a:t>
+            </a:r>
+            <a:endParaRPr lang="en-US" dirty="0"/>
+          </a:p>
+        </p:txBody>
+      </p:sp>
+      <p:sp>
+        <p:nvSpPr>
+          <p:cNvPr id="3" name="Content Placeholder 2"/>
+          <p:cNvSpPr>
+            <a:spLocks noGrp="1"/>
+          </p:cNvSpPr>
+          <p:nvPr>
+            <p:ph idx="1"/>
+          </p:nvPr>
+        </p:nvSpPr>
+        <p:spPr/>
+        <p:txBody>
+          <a:bodyPr/>
+          <a:lstStyle/>
+          <a:p>
+            <a:r>
+              <a:rPr lang="en-US" dirty="0" smtClean="0"/>
+              <a:t>Analyze data and get an appropriate chart from it</a:t>
+            </a:r>
+          </a:p>
+          <a:p>
+            <a:r>
+              <a:rPr lang="en-US" dirty="0" smtClean="0"/>
+              <a:t>More familiar with settings in tableau</a:t>
+            </a:r>
+          </a:p>
+          <a:p>
+            <a:r>
+              <a:rPr lang="en-US" dirty="0" smtClean="0"/>
+              <a:t>Significance of other tools</a:t>
+            </a:r>
+          </a:p>
+          <a:p>
+            <a:r>
+              <a:rPr lang="en-US" dirty="0" smtClean="0"/>
+              <a:t>Explored and learned different tools in the process of learning</a:t>
+            </a:r>
+          </a:p>
+          <a:p>
+            <a:endParaRPr lang="en-US" dirty="0" smtClean="0"/>
+          </a:p>
+          <a:p>
+            <a:endParaRPr lang="en-US" dirty="0"/>
           </a:p>
         </p:txBody>
       </p:sp>
@@ -7265,47 +8256,88 @@
           </a:p>
         </p:txBody>
       </p:sp>
+    </p:spTree>
+    <p:extLst>
+      <p:ext uri="{BB962C8B-B14F-4D97-AF65-F5344CB8AC3E}">
+        <p14:creationId xmlns:p14="http://schemas.microsoft.com/office/powerpoint/2010/main" val="161663826"/>
+      </p:ext>
+    </p:extLst>
+  </p:cSld>
+  <p:clrMapOvr>
+    <a:masterClrMapping/>
+  </p:clrMapOvr>
+  <p:timing>
+    <p:tnLst>
+      <p:par>
+        <p:cTn id="1" dur="indefinite" restart="never" nodeType="tmRoot"/>
+      </p:par>
+    </p:tnLst>
+  </p:timing>
+</p:sld>
+</file>
+
+<file path=ppt/slides/slide15.xml><?xml version="1.0" encoding="utf-8"?>
+<p:sld xmlns:a="http://schemas.openxmlformats.org/drawingml/2006/main" xmlns:r="http://schemas.openxmlformats.org/officeDocument/2006/relationships" xmlns:p="http://schemas.openxmlformats.org/presentationml/2006/main">
+  <p:cSld>
+    <p:spTree>
+      <p:nvGrpSpPr>
+        <p:cNvPr id="1" name=""/>
+        <p:cNvGrpSpPr/>
+        <p:nvPr/>
+      </p:nvGrpSpPr>
+      <p:grpSpPr>
+        <a:xfrm>
+          <a:off x="0" y="0"/>
+          <a:ext cx="0" cy="0"/>
+          <a:chOff x="0" y="0"/>
+          <a:chExt cx="0" cy="0"/>
+        </a:xfrm>
+      </p:grpSpPr>
+      <p:sp>
+        <p:nvSpPr>
+          <p:cNvPr id="4" name="Slide Number Placeholder 3"/>
+          <p:cNvSpPr>
+            <a:spLocks noGrp="1"/>
+          </p:cNvSpPr>
+          <p:nvPr>
+            <p:ph type="sldNum" sz="quarter" idx="12"/>
+          </p:nvPr>
+        </p:nvSpPr>
+        <p:spPr/>
+        <p:txBody>
+          <a:bodyPr/>
+          <a:lstStyle/>
+          <a:p>
+            <a:fld id="{4AE5F0ED-128A-4EFA-864F-E68E592A91A6}" type="slidenum">
+              <a:rPr lang="en-US" smtClean="0"/>
+              <a:t>15</a:t>
+            </a:fld>
+            <a:endParaRPr lang="en-US" dirty="0"/>
+          </a:p>
+        </p:txBody>
+      </p:sp>
       <p:pic>
         <p:nvPicPr>
-          <p:cNvPr id="4098" name="Picture 2" descr="Image result for word cloud for thank you"/>
+          <p:cNvPr id="8" name="Picture 7"/>
           <p:cNvPicPr>
-            <a:picLocks noGrp="1" noChangeAspect="1" noChangeArrowheads="1"/>
+            <a:picLocks noChangeAspect="1"/>
           </p:cNvPicPr>
-          <p:nvPr>
-            <p:ph idx="1"/>
-          </p:nvPr>
+          <p:nvPr/>
         </p:nvPicPr>
         <p:blipFill>
-          <a:blip r:embed="rId2">
-            <a:extLst>
-              <a:ext uri="{28A0092B-C50C-407E-A947-70E740481C1C}">
-                <a14:useLocalDpi xmlns:a14="http://schemas.microsoft.com/office/drawing/2010/main" val="0"/>
-              </a:ext>
-            </a:extLst>
-          </a:blip>
-          <a:srcRect/>
+          <a:blip r:embed="rId2"/>
           <a:stretch>
             <a:fillRect/>
           </a:stretch>
         </p:blipFill>
-        <p:spPr bwMode="auto">
+        <p:spPr>
           <a:xfrm>
-            <a:off x="2087932" y="1524000"/>
-            <a:ext cx="8537226" cy="4608513"/>
+            <a:off x="0" y="1"/>
+            <a:ext cx="12192000" cy="6858000"/>
           </a:xfrm>
           <a:prstGeom prst="rect">
             <a:avLst/>
           </a:prstGeom>
-          <a:noFill/>
-          <a:extLst>
-            <a:ext uri="{909E8E84-426E-40DD-AFC4-6F175D3DCCD1}">
-              <a14:hiddenFill xmlns:a14="http://schemas.microsoft.com/office/drawing/2010/main">
-                <a:solidFill>
-                  <a:srgbClr val="FFFFFF"/>
-                </a:solidFill>
-              </a14:hiddenFill>
-            </a:ext>
-          </a:extLst>
         </p:spPr>
       </p:pic>
     </p:spTree>
@@ -7431,21 +8463,19 @@
           </a:p>
           <a:p>
             <a:r>
+              <a:rPr lang="en-US" sz="2800" dirty="0"/>
+              <a:t>Sample data </a:t>
+            </a:r>
+            <a:r>
+              <a:rPr lang="en-US" sz="2800" dirty="0" smtClean="0"/>
+              <a:t>set</a:t>
+            </a:r>
+          </a:p>
+          <a:p>
+            <a:r>
               <a:rPr lang="en-US" sz="2800" dirty="0" smtClean="0"/>
               <a:t>Goals</a:t>
             </a:r>
-            <a:endParaRPr lang="en-US" sz="2800" dirty="0" smtClean="0"/>
-          </a:p>
-          <a:p>
-            <a:r>
-              <a:rPr lang="en-US" sz="2800" dirty="0"/>
-              <a:t>Sample </a:t>
-            </a:r>
-            <a:r>
-              <a:rPr lang="en-US" sz="2800" dirty="0" smtClean="0"/>
-              <a:t>data set</a:t>
-            </a:r>
-            <a:endParaRPr lang="en-US" sz="2800" dirty="0"/>
           </a:p>
           <a:p>
             <a:r>
@@ -7651,38 +8681,53 @@
           <a:p>
             <a:r>
               <a:rPr lang="en-US" dirty="0" smtClean="0"/>
-              <a:t>Example</a:t>
+              <a:t>Why radial stacked bar chart ?</a:t>
             </a:r>
             <a:endParaRPr lang="en-US" dirty="0"/>
           </a:p>
         </p:txBody>
       </p:sp>
-      <p:pic>
-        <p:nvPicPr>
-          <p:cNvPr id="5" name="Content Placeholder 4"/>
-          <p:cNvPicPr>
-            <a:picLocks noGrp="1" noChangeAspect="1"/>
-          </p:cNvPicPr>
+      <p:sp>
+        <p:nvSpPr>
+          <p:cNvPr id="3" name="Content Placeholder 2"/>
+          <p:cNvSpPr>
+            <a:spLocks noGrp="1"/>
+          </p:cNvSpPr>
           <p:nvPr>
             <p:ph idx="1"/>
           </p:nvPr>
-        </p:nvPicPr>
-        <p:blipFill>
-          <a:blip r:embed="rId3"/>
-          <a:stretch>
-            <a:fillRect/>
-          </a:stretch>
-        </p:blipFill>
-        <p:spPr>
-          <a:xfrm>
-            <a:off x="1688170" y="1341862"/>
-            <a:ext cx="9340386" cy="5071412"/>
-          </a:xfrm>
-          <a:prstGeom prst="rect">
-            <a:avLst/>
-          </a:prstGeom>
-        </p:spPr>
-      </p:pic>
+        </p:nvSpPr>
+        <p:spPr/>
+        <p:txBody>
+          <a:bodyPr/>
+          <a:lstStyle/>
+          <a:p>
+            <a:r>
+              <a:rPr lang="en-US" dirty="0" smtClean="0"/>
+              <a:t>Easy to compare different categories of data</a:t>
+            </a:r>
+          </a:p>
+          <a:p>
+            <a:r>
+              <a:rPr lang="en-US" dirty="0" smtClean="0"/>
+              <a:t>Most efficient use of screen space</a:t>
+            </a:r>
+          </a:p>
+          <a:p>
+            <a:r>
+              <a:rPr lang="en-US" dirty="0" smtClean="0"/>
+              <a:t>Aesthetic look of diagrams</a:t>
+            </a:r>
+          </a:p>
+          <a:p>
+            <a:r>
+              <a:rPr lang="en-US" dirty="0" smtClean="0"/>
+              <a:t>Time variable data can be presented in a good manner</a:t>
+            </a:r>
+            <a:endParaRPr lang="en-US" dirty="0"/>
+          </a:p>
+        </p:txBody>
+      </p:sp>
       <p:sp>
         <p:nvSpPr>
           <p:cNvPr id="4" name="Slide Number Placeholder 3"/>
@@ -7706,61 +8751,10 @@
           </a:p>
         </p:txBody>
       </p:sp>
-      <p:sp>
-        <p:nvSpPr>
-          <p:cNvPr id="6" name="TextBox 5"/>
-          <p:cNvSpPr txBox="1"/>
-          <p:nvPr/>
-        </p:nvSpPr>
-        <p:spPr>
-          <a:xfrm>
-            <a:off x="635620" y="6324600"/>
-            <a:ext cx="9676780" cy="646331"/>
-          </a:xfrm>
-          <a:prstGeom prst="rect">
-            <a:avLst/>
-          </a:prstGeom>
-          <a:noFill/>
-        </p:spPr>
-        <p:txBody>
-          <a:bodyPr wrap="square" rtlCol="0">
-            <a:spAutoFit/>
-          </a:bodyPr>
-          <a:lstStyle/>
-          <a:p>
-            <a:r>
-              <a:rPr lang="en-US" dirty="0" smtClean="0"/>
-              <a:t>Source: </a:t>
-            </a:r>
-            <a:r>
-              <a:rPr lang="en-US" dirty="0" smtClean="0">
-                <a:hlinkClick r:id="rId4"/>
-              </a:rPr>
-              <a:t>https</a:t>
-            </a:r>
-            <a:r>
-              <a:rPr lang="en-US" dirty="0">
-                <a:hlinkClick r:id="rId4"/>
-              </a:rPr>
-              <a:t>://</a:t>
-            </a:r>
-            <a:r>
-              <a:rPr lang="en-US" dirty="0" smtClean="0">
-                <a:hlinkClick r:id="rId4"/>
-              </a:rPr>
-              <a:t>bl.ocks.org/mbostock/5479367295dfe8f21002fc71d6500392</a:t>
-            </a:r>
-            <a:endParaRPr lang="en-US" dirty="0" smtClean="0"/>
-          </a:p>
-          <a:p>
-            <a:endParaRPr lang="en-US" dirty="0"/>
-          </a:p>
-        </p:txBody>
-      </p:sp>
     </p:spTree>
     <p:extLst>
       <p:ext uri="{BB962C8B-B14F-4D97-AF65-F5344CB8AC3E}">
-        <p14:creationId xmlns:p14="http://schemas.microsoft.com/office/powerpoint/2010/main" val="412677695"/>
+        <p14:creationId xmlns:p14="http://schemas.microsoft.com/office/powerpoint/2010/main" val="1996099210"/>
       </p:ext>
     </p:extLst>
   </p:cSld>
@@ -7811,63 +8805,38 @@
           <a:p>
             <a:r>
               <a:rPr lang="en-US" dirty="0" smtClean="0"/>
-              <a:t>Tableau</a:t>
+              <a:t>Example</a:t>
             </a:r>
             <a:endParaRPr lang="en-US" dirty="0"/>
           </a:p>
         </p:txBody>
       </p:sp>
-      <p:sp>
-        <p:nvSpPr>
-          <p:cNvPr id="3" name="Content Placeholder 2"/>
-          <p:cNvSpPr>
-            <a:spLocks noGrp="1"/>
-          </p:cNvSpPr>
+      <p:pic>
+        <p:nvPicPr>
+          <p:cNvPr id="5" name="Content Placeholder 4"/>
+          <p:cNvPicPr>
+            <a:picLocks noGrp="1" noChangeAspect="1"/>
+          </p:cNvPicPr>
           <p:nvPr>
             <p:ph idx="1"/>
           </p:nvPr>
-        </p:nvSpPr>
-        <p:spPr/>
-        <p:txBody>
-          <a:bodyPr/>
-          <a:lstStyle/>
-          <a:p>
-            <a:r>
-              <a:rPr lang="en-US" dirty="0"/>
-              <a:t>Tableau is groundbreaking data visualization software created by Tableau </a:t>
-            </a:r>
-            <a:r>
-              <a:rPr lang="en-US" dirty="0" smtClean="0"/>
-              <a:t>Software</a:t>
-            </a:r>
-          </a:p>
-          <a:p>
-            <a:r>
-              <a:rPr lang="en-US" dirty="0" smtClean="0"/>
-              <a:t>It can connect easily to any data source like web based data, excel,etc.,</a:t>
-            </a:r>
-          </a:p>
-          <a:p>
-            <a:r>
-              <a:rPr lang="en-US" dirty="0"/>
-              <a:t>For the third time, Tableau has been named a leader in the Magic Quadrant for Business </a:t>
-            </a:r>
-            <a:r>
-              <a:rPr lang="en-US" dirty="0" smtClean="0"/>
-              <a:t>Intelligence</a:t>
-            </a:r>
-            <a:r>
-              <a:rPr lang="en-US" dirty="0"/>
-              <a:t> and Analytics Platforms report by </a:t>
-            </a:r>
-            <a:r>
-              <a:rPr lang="en-US" dirty="0" smtClean="0"/>
-              <a:t>Gartner</a:t>
-            </a:r>
-            <a:endParaRPr lang="en-US" dirty="0"/>
-          </a:p>
-        </p:txBody>
-      </p:sp>
+        </p:nvPicPr>
+        <p:blipFill>
+          <a:blip r:embed="rId3"/>
+          <a:stretch>
+            <a:fillRect/>
+          </a:stretch>
+        </p:blipFill>
+        <p:spPr>
+          <a:xfrm>
+            <a:off x="1688170" y="1341862"/>
+            <a:ext cx="9340386" cy="5071412"/>
+          </a:xfrm>
+          <a:prstGeom prst="rect">
+            <a:avLst/>
+          </a:prstGeom>
+        </p:spPr>
+      </p:pic>
       <p:sp>
         <p:nvSpPr>
           <p:cNvPr id="4" name="Slide Number Placeholder 3"/>
@@ -7891,10 +8860,61 @@
           </a:p>
         </p:txBody>
       </p:sp>
+      <p:sp>
+        <p:nvSpPr>
+          <p:cNvPr id="6" name="TextBox 5"/>
+          <p:cNvSpPr txBox="1"/>
+          <p:nvPr/>
+        </p:nvSpPr>
+        <p:spPr>
+          <a:xfrm>
+            <a:off x="635620" y="6324600"/>
+            <a:ext cx="9676780" cy="646331"/>
+          </a:xfrm>
+          <a:prstGeom prst="rect">
+            <a:avLst/>
+          </a:prstGeom>
+          <a:noFill/>
+        </p:spPr>
+        <p:txBody>
+          <a:bodyPr wrap="square" rtlCol="0">
+            <a:spAutoFit/>
+          </a:bodyPr>
+          <a:lstStyle/>
+          <a:p>
+            <a:r>
+              <a:rPr lang="en-US" dirty="0" smtClean="0"/>
+              <a:t>Source: </a:t>
+            </a:r>
+            <a:r>
+              <a:rPr lang="en-US" dirty="0" smtClean="0">
+                <a:hlinkClick r:id="rId4"/>
+              </a:rPr>
+              <a:t>https</a:t>
+            </a:r>
+            <a:r>
+              <a:rPr lang="en-US" dirty="0">
+                <a:hlinkClick r:id="rId4"/>
+              </a:rPr>
+              <a:t>://</a:t>
+            </a:r>
+            <a:r>
+              <a:rPr lang="en-US" dirty="0" smtClean="0">
+                <a:hlinkClick r:id="rId4"/>
+              </a:rPr>
+              <a:t>bl.ocks.org/mbostock/5479367295dfe8f21002fc71d6500392</a:t>
+            </a:r>
+            <a:endParaRPr lang="en-US" dirty="0" smtClean="0"/>
+          </a:p>
+          <a:p>
+            <a:endParaRPr lang="en-US" dirty="0"/>
+          </a:p>
+        </p:txBody>
+      </p:sp>
     </p:spTree>
     <p:extLst>
       <p:ext uri="{BB962C8B-B14F-4D97-AF65-F5344CB8AC3E}">
-        <p14:creationId xmlns:p14="http://schemas.microsoft.com/office/powerpoint/2010/main" val="3057325901"/>
+        <p14:creationId xmlns:p14="http://schemas.microsoft.com/office/powerpoint/2010/main" val="412677695"/>
       </p:ext>
     </p:extLst>
   </p:cSld>
@@ -7945,7 +8965,7 @@
           <a:p>
             <a:r>
               <a:rPr lang="en-US" dirty="0" smtClean="0"/>
-              <a:t>Features</a:t>
+              <a:t>Tableau</a:t>
             </a:r>
             <a:endParaRPr lang="en-US" dirty="0"/>
           </a:p>
@@ -7968,52 +8988,36 @@
           <a:p>
             <a:r>
               <a:rPr lang="en-US" dirty="0"/>
-              <a:t>Easy to </a:t>
+              <a:t>Tableau is groundbreaking data visualization software created by Tableau </a:t>
             </a:r>
             <a:r>
               <a:rPr lang="en-US" dirty="0" smtClean="0"/>
-              <a:t>learn User Interface</a:t>
+              <a:t>Software</a:t>
             </a:r>
           </a:p>
           <a:p>
             <a:r>
               <a:rPr lang="en-US" dirty="0" smtClean="0"/>
-              <a:t>Drag and drop functionality</a:t>
-            </a:r>
-          </a:p>
-          <a:p>
+              <a:t>It can connect easily to any data source like web based data, excel,etc.,</a:t>
+            </a:r>
+          </a:p>
+          <a:p>
+            <a:r>
+              <a:rPr lang="en-US" dirty="0"/>
+              <a:t>For the third time, Tableau has been named a leader in the Magic Quadrant for Business </a:t>
+            </a:r>
             <a:r>
               <a:rPr lang="en-US" dirty="0" smtClean="0"/>
-              <a:t>Can create charts by writing some custom SQL queries</a:t>
-            </a:r>
-          </a:p>
-          <a:p>
+              <a:t>Intelligence</a:t>
+            </a:r>
+            <a:r>
+              <a:rPr lang="en-US" dirty="0"/>
+              <a:t> and Analytics Platforms report by </a:t>
+            </a:r>
             <a:r>
               <a:rPr lang="en-US" dirty="0" smtClean="0"/>
-              <a:t>Quickly </a:t>
-            </a:r>
-            <a:r>
-              <a:rPr lang="en-US" dirty="0"/>
-              <a:t>create interactive dashboards and </a:t>
-            </a:r>
-            <a:r>
-              <a:rPr lang="en-US" dirty="0" smtClean="0"/>
-              <a:t>plots</a:t>
-            </a:r>
-          </a:p>
-          <a:p>
-            <a:pPr marL="0" indent="0">
-              <a:buNone/>
-            </a:pPr>
-            <a:r>
-              <a:rPr lang="en-US" dirty="0" smtClean="0"/>
-              <a:t> </a:t>
-            </a:r>
-          </a:p>
-          <a:p>
-            <a:endParaRPr lang="en-US" dirty="0"/>
-          </a:p>
-          <a:p>
+              <a:t>Gartner</a:t>
+            </a:r>
             <a:endParaRPr lang="en-US" dirty="0"/>
           </a:p>
         </p:txBody>
@@ -8044,7 +9048,7 @@
     </p:spTree>
     <p:extLst>
       <p:ext uri="{BB962C8B-B14F-4D97-AF65-F5344CB8AC3E}">
-        <p14:creationId xmlns:p14="http://schemas.microsoft.com/office/powerpoint/2010/main" val="1117289140"/>
+        <p14:creationId xmlns:p14="http://schemas.microsoft.com/office/powerpoint/2010/main" val="3057325901"/>
       </p:ext>
     </p:extLst>
   </p:cSld>
@@ -8095,7 +9099,7 @@
           <a:p>
             <a:r>
               <a:rPr lang="en-US" dirty="0" smtClean="0"/>
-              <a:t>Steps to use Tableau</a:t>
+              <a:t>Features</a:t>
             </a:r>
             <a:endParaRPr lang="en-US" dirty="0"/>
           </a:p>
@@ -8117,33 +9121,54 @@
           <a:lstStyle/>
           <a:p>
             <a:r>
+              <a:rPr lang="en-US" dirty="0"/>
+              <a:t>Easy to </a:t>
+            </a:r>
+            <a:r>
               <a:rPr lang="en-US" dirty="0" smtClean="0"/>
-              <a:t>Step 1: Download Tableau either with a free trial or purchase using a licensed product key</a:t>
+              <a:t>learn User Interface</a:t>
             </a:r>
           </a:p>
           <a:p>
             <a:r>
               <a:rPr lang="en-US" dirty="0" smtClean="0"/>
-              <a:t>Step 2: Load data by connecting to the appropriate file format and open it using legacy connection if you need to write some custom SQL queries</a:t>
+              <a:t>Drag and drop functionality</a:t>
             </a:r>
           </a:p>
           <a:p>
             <a:r>
               <a:rPr lang="en-US" dirty="0" smtClean="0"/>
-              <a:t>Step 3: Add the attributes that define your goal and select an appropriate graph</a:t>
+              <a:t>Can create charts by writing some custom SQL queries</a:t>
             </a:r>
           </a:p>
           <a:p>
             <a:r>
               <a:rPr lang="en-US" dirty="0" smtClean="0"/>
-              <a:t>Step 4: Customize it accordingly</a:t>
-            </a:r>
-          </a:p>
-          <a:p>
+              <a:t>Quickly </a:t>
+            </a:r>
+            <a:r>
+              <a:rPr lang="en-US" dirty="0"/>
+              <a:t>create interactive dashboards and </a:t>
+            </a:r>
             <a:r>
               <a:rPr lang="en-US" dirty="0" smtClean="0"/>
-              <a:t>Step 5: Save and Share the results</a:t>
-            </a:r>
+              <a:t>plots</a:t>
+            </a:r>
+          </a:p>
+          <a:p>
+            <a:pPr marL="0" indent="0">
+              <a:buNone/>
+            </a:pPr>
+            <a:r>
+              <a:rPr lang="en-US" dirty="0" smtClean="0"/>
+              <a:t> </a:t>
+            </a:r>
+          </a:p>
+          <a:p>
+            <a:endParaRPr lang="en-US" dirty="0"/>
+          </a:p>
+          <a:p>
+            <a:endParaRPr lang="en-US" dirty="0"/>
           </a:p>
         </p:txBody>
       </p:sp>
@@ -8173,7 +9198,7 @@
     </p:spTree>
     <p:extLst>
       <p:ext uri="{BB962C8B-B14F-4D97-AF65-F5344CB8AC3E}">
-        <p14:creationId xmlns:p14="http://schemas.microsoft.com/office/powerpoint/2010/main" val="4204492182"/>
+        <p14:creationId xmlns:p14="http://schemas.microsoft.com/office/powerpoint/2010/main" val="1117289140"/>
       </p:ext>
     </p:extLst>
   </p:cSld>
@@ -8224,6 +9249,135 @@
           <a:p>
             <a:r>
               <a:rPr lang="en-US" dirty="0" smtClean="0"/>
+              <a:t>Steps to use Tableau</a:t>
+            </a:r>
+            <a:endParaRPr lang="en-US" dirty="0"/>
+          </a:p>
+        </p:txBody>
+      </p:sp>
+      <p:sp>
+        <p:nvSpPr>
+          <p:cNvPr id="3" name="Content Placeholder 2"/>
+          <p:cNvSpPr>
+            <a:spLocks noGrp="1"/>
+          </p:cNvSpPr>
+          <p:nvPr>
+            <p:ph idx="1"/>
+          </p:nvPr>
+        </p:nvSpPr>
+        <p:spPr/>
+        <p:txBody>
+          <a:bodyPr/>
+          <a:lstStyle/>
+          <a:p>
+            <a:r>
+              <a:rPr lang="en-US" dirty="0" smtClean="0"/>
+              <a:t>Step 1: Download Tableau either with a free trial or purchase using a licensed product key</a:t>
+            </a:r>
+          </a:p>
+          <a:p>
+            <a:r>
+              <a:rPr lang="en-US" dirty="0" smtClean="0"/>
+              <a:t>Step 2: Load data by connecting to the appropriate file format and open it using legacy connection if you need to write some custom SQL queries</a:t>
+            </a:r>
+          </a:p>
+          <a:p>
+            <a:r>
+              <a:rPr lang="en-US" dirty="0" smtClean="0"/>
+              <a:t>Step 3: Add the attributes that define your goal and select an appropriate graph</a:t>
+            </a:r>
+          </a:p>
+          <a:p>
+            <a:r>
+              <a:rPr lang="en-US" dirty="0" smtClean="0"/>
+              <a:t>Step 4: Customize it accordingly</a:t>
+            </a:r>
+          </a:p>
+          <a:p>
+            <a:r>
+              <a:rPr lang="en-US" dirty="0" smtClean="0"/>
+              <a:t>Step 5: Save and Share the results</a:t>
+            </a:r>
+          </a:p>
+        </p:txBody>
+      </p:sp>
+      <p:sp>
+        <p:nvSpPr>
+          <p:cNvPr id="4" name="Slide Number Placeholder 3"/>
+          <p:cNvSpPr>
+            <a:spLocks noGrp="1"/>
+          </p:cNvSpPr>
+          <p:nvPr>
+            <p:ph type="sldNum" sz="quarter" idx="12"/>
+          </p:nvPr>
+        </p:nvSpPr>
+        <p:spPr/>
+        <p:txBody>
+          <a:bodyPr/>
+          <a:lstStyle/>
+          <a:p>
+            <a:fld id="{4AE5F0ED-128A-4EFA-864F-E68E592A91A6}" type="slidenum">
+              <a:rPr lang="en-US" smtClean="0"/>
+              <a:t>8</a:t>
+            </a:fld>
+            <a:endParaRPr lang="en-US" dirty="0"/>
+          </a:p>
+        </p:txBody>
+      </p:sp>
+    </p:spTree>
+    <p:extLst>
+      <p:ext uri="{BB962C8B-B14F-4D97-AF65-F5344CB8AC3E}">
+        <p14:creationId xmlns:p14="http://schemas.microsoft.com/office/powerpoint/2010/main" val="4204492182"/>
+      </p:ext>
+    </p:extLst>
+  </p:cSld>
+  <p:clrMapOvr>
+    <a:masterClrMapping/>
+  </p:clrMapOvr>
+  <p:timing>
+    <p:tnLst>
+      <p:par>
+        <p:cTn id="1" dur="indefinite" restart="never" nodeType="tmRoot"/>
+      </p:par>
+    </p:tnLst>
+  </p:timing>
+</p:sld>
+</file>
+
+<file path=ppt/slides/slide9.xml><?xml version="1.0" encoding="utf-8"?>
+<p:sld xmlns:a="http://schemas.openxmlformats.org/drawingml/2006/main" xmlns:r="http://schemas.openxmlformats.org/officeDocument/2006/relationships" xmlns:p="http://schemas.openxmlformats.org/presentationml/2006/main">
+  <p:cSld>
+    <p:spTree>
+      <p:nvGrpSpPr>
+        <p:cNvPr id="1" name=""/>
+        <p:cNvGrpSpPr/>
+        <p:nvPr/>
+      </p:nvGrpSpPr>
+      <p:grpSpPr>
+        <a:xfrm>
+          <a:off x="0" y="0"/>
+          <a:ext cx="0" cy="0"/>
+          <a:chOff x="0" y="0"/>
+          <a:chExt cx="0" cy="0"/>
+        </a:xfrm>
+      </p:grpSpPr>
+      <p:sp>
+        <p:nvSpPr>
+          <p:cNvPr id="2" name="Title 1"/>
+          <p:cNvSpPr>
+            <a:spLocks noGrp="1"/>
+          </p:cNvSpPr>
+          <p:nvPr>
+            <p:ph type="title"/>
+          </p:nvPr>
+        </p:nvSpPr>
+        <p:spPr/>
+        <p:txBody>
+          <a:bodyPr/>
+          <a:lstStyle/>
+          <a:p>
+            <a:r>
+              <a:rPr lang="en-US" dirty="0" smtClean="0"/>
               <a:t>Sample Data set</a:t>
             </a:r>
             <a:endParaRPr lang="en-US" dirty="0"/>
@@ -8247,7 +9401,7 @@
           <a:p>
             <a:fld id="{1D6565EA-7445-426B-9110-4690289A341C}" type="slidenum">
               <a:rPr lang="en-US" smtClean="0"/>
-              <a:t>8</a:t>
+              <a:t>9</a:t>
             </a:fld>
             <a:endParaRPr lang="en-US" dirty="0"/>
           </a:p>
@@ -8559,7 +9713,7 @@
           <a:graphicData uri="http://schemas.openxmlformats.org/presentationml/2006/ole">
             <mc:AlternateContent xmlns:mc="http://schemas.openxmlformats.org/markup-compatibility/2006">
               <mc:Choice xmlns:v="urn:schemas-microsoft-com:vml" Requires="v">
-                <p:oleObj spid="_x0000_s2055" name="Worksheet" r:id="rId4" imgW="9763057" imgH="1790790" progId="Excel.Sheet.12">
+                <p:oleObj spid="_x0000_s2060" name="Worksheet" r:id="rId4" imgW="9763057" imgH="1790790" progId="Excel.Sheet.12">
                   <p:embed/>
                 </p:oleObj>
               </mc:Choice>
@@ -8598,152 +9752,6 @@
     <p:extLst>
       <p:ext uri="{BB962C8B-B14F-4D97-AF65-F5344CB8AC3E}">
         <p14:creationId xmlns:p14="http://schemas.microsoft.com/office/powerpoint/2010/main" val="644752679"/>
-      </p:ext>
-    </p:extLst>
-  </p:cSld>
-  <p:clrMapOvr>
-    <a:masterClrMapping/>
-  </p:clrMapOvr>
-  <p:timing>
-    <p:tnLst>
-      <p:par>
-        <p:cTn id="1" dur="indefinite" restart="never" nodeType="tmRoot"/>
-      </p:par>
-    </p:tnLst>
-  </p:timing>
-</p:sld>
-</file>
-
-<file path=ppt/slides/slide9.xml><?xml version="1.0" encoding="utf-8"?>
-<p:sld xmlns:a="http://schemas.openxmlformats.org/drawingml/2006/main" xmlns:r="http://schemas.openxmlformats.org/officeDocument/2006/relationships" xmlns:p="http://schemas.openxmlformats.org/presentationml/2006/main">
-  <p:cSld>
-    <p:spTree>
-      <p:nvGrpSpPr>
-        <p:cNvPr id="1" name=""/>
-        <p:cNvGrpSpPr/>
-        <p:nvPr/>
-      </p:nvGrpSpPr>
-      <p:grpSpPr>
-        <a:xfrm>
-          <a:off x="0" y="0"/>
-          <a:ext cx="0" cy="0"/>
-          <a:chOff x="0" y="0"/>
-          <a:chExt cx="0" cy="0"/>
-        </a:xfrm>
-      </p:grpSpPr>
-      <p:sp>
-        <p:nvSpPr>
-          <p:cNvPr id="2" name="Title 1"/>
-          <p:cNvSpPr>
-            <a:spLocks noGrp="1"/>
-          </p:cNvSpPr>
-          <p:nvPr>
-            <p:ph type="title"/>
-          </p:nvPr>
-        </p:nvSpPr>
-        <p:spPr/>
-        <p:txBody>
-          <a:bodyPr/>
-          <a:lstStyle/>
-          <a:p>
-            <a:r>
-              <a:rPr lang="en-US" dirty="0" smtClean="0"/>
-              <a:t>Goals</a:t>
-            </a:r>
-            <a:endParaRPr lang="en-US" dirty="0"/>
-          </a:p>
-        </p:txBody>
-      </p:sp>
-      <p:sp>
-        <p:nvSpPr>
-          <p:cNvPr id="3" name="Content Placeholder 2"/>
-          <p:cNvSpPr>
-            <a:spLocks noGrp="1"/>
-          </p:cNvSpPr>
-          <p:nvPr>
-            <p:ph idx="1"/>
-          </p:nvPr>
-        </p:nvSpPr>
-        <p:spPr/>
-        <p:txBody>
-          <a:bodyPr/>
-          <a:lstStyle/>
-          <a:p>
-            <a:r>
-              <a:rPr lang="en-US" dirty="0"/>
-              <a:t>T</a:t>
-            </a:r>
-            <a:r>
-              <a:rPr lang="en-US" dirty="0" smtClean="0"/>
-              <a:t>o visualize a Radial stacked bar chart showing sales of different categories of products of various states in the U.S.A </a:t>
-            </a:r>
-            <a:r>
-              <a:rPr lang="en-US" smtClean="0"/>
-              <a:t>in the years 2013 </a:t>
-            </a:r>
-            <a:r>
-              <a:rPr lang="en-US" dirty="0" smtClean="0"/>
-              <a:t>to 2016</a:t>
-            </a:r>
-          </a:p>
-          <a:p>
-            <a:endParaRPr lang="en-US" dirty="0"/>
-          </a:p>
-          <a:p>
-            <a:r>
-              <a:rPr lang="en-US" dirty="0" smtClean="0"/>
-              <a:t>Data </a:t>
-            </a:r>
-            <a:r>
-              <a:rPr lang="en-US" dirty="0"/>
-              <a:t>Source: </a:t>
-            </a:r>
-            <a:r>
-              <a:rPr lang="en-US" dirty="0">
-                <a:hlinkClick r:id="rId2"/>
-              </a:rPr>
-              <a:t>https://</a:t>
-            </a:r>
-            <a:r>
-              <a:rPr lang="en-US" dirty="0" smtClean="0">
-                <a:hlinkClick r:id="rId2"/>
-              </a:rPr>
-              <a:t>community.tableau.com/docs/DOC-10198</a:t>
-            </a:r>
-            <a:endParaRPr lang="en-US" dirty="0" smtClean="0"/>
-          </a:p>
-          <a:p>
-            <a:endParaRPr lang="en-US" dirty="0"/>
-          </a:p>
-        </p:txBody>
-      </p:sp>
-      <p:sp>
-        <p:nvSpPr>
-          <p:cNvPr id="4" name="Slide Number Placeholder 3"/>
-          <p:cNvSpPr>
-            <a:spLocks noGrp="1"/>
-          </p:cNvSpPr>
-          <p:nvPr>
-            <p:ph type="sldNum" sz="quarter" idx="12"/>
-          </p:nvPr>
-        </p:nvSpPr>
-        <p:spPr/>
-        <p:txBody>
-          <a:bodyPr/>
-          <a:lstStyle/>
-          <a:p>
-            <a:fld id="{4AE5F0ED-128A-4EFA-864F-E68E592A91A6}" type="slidenum">
-              <a:rPr lang="en-US" smtClean="0"/>
-              <a:t>9</a:t>
-            </a:fld>
-            <a:endParaRPr lang="en-US" dirty="0"/>
-          </a:p>
-        </p:txBody>
-      </p:sp>
-    </p:spTree>
-    <p:extLst>
-      <p:ext uri="{BB962C8B-B14F-4D97-AF65-F5344CB8AC3E}">
-        <p14:creationId xmlns:p14="http://schemas.microsoft.com/office/powerpoint/2010/main" val="1518718828"/>
       </p:ext>
     </p:extLst>
   </p:cSld>
